--- a/NLPProject3.pptx
+++ b/NLPProject3.pptx
@@ -5,7 +5,7 @@
     <p:sldMasterId id="2147483648" r:id="rId1"/>
   </p:sldMasterIdLst>
   <p:notesMasterIdLst>
-    <p:notesMasterId r:id="rId21"/>
+    <p:notesMasterId r:id="rId19"/>
   </p:notesMasterIdLst>
   <p:sldIdLst>
     <p:sldId id="256" r:id="rId2"/>
@@ -25,8 +25,6 @@
     <p:sldId id="285" r:id="rId16"/>
     <p:sldId id="287" r:id="rId17"/>
     <p:sldId id="286" r:id="rId18"/>
-    <p:sldId id="273" r:id="rId19"/>
-    <p:sldId id="275" r:id="rId20"/>
   </p:sldIdLst>
   <p:sldSz cx="9144000" cy="6858000" type="screen4x3"/>
   <p:notesSz cx="6858000" cy="9144000"/>
@@ -31835,12 +31833,59 @@
         </p:blipFill>
         <p:spPr>
           <a:xfrm>
-            <a:off x="5306975" y="1880998"/>
+            <a:off x="5075862" y="-161868"/>
             <a:ext cx="3127897" cy="3127897"/>
           </a:xfrm>
           <a:prstGeom prst="rect">
             <a:avLst/>
           </a:prstGeom>
+        </p:spPr>
+      </p:pic>
+      <p:pic>
+        <p:nvPicPr>
+          <p:cNvPr id="4098" name="Picture 2">
+            <a:extLst>
+              <a:ext uri="{FF2B5EF4-FFF2-40B4-BE49-F238E27FC236}">
+                <a16:creationId xmlns:a16="http://schemas.microsoft.com/office/drawing/2014/main" id="{98F7B479-F76B-DC97-3373-FD335D5492D6}"/>
+              </a:ext>
+            </a:extLst>
+          </p:cNvPr>
+          <p:cNvPicPr>
+            <a:picLocks noChangeAspect="1" noChangeArrowheads="1"/>
+          </p:cNvPicPr>
+          <p:nvPr/>
+        </p:nvPicPr>
+        <p:blipFill>
+          <a:blip r:embed="rId4">
+            <a:extLst>
+              <a:ext uri="{28A0092B-C50C-407E-A947-70E740481C1C}">
+                <a14:useLocalDpi xmlns:a14="http://schemas.microsoft.com/office/drawing/2010/main" val="0"/>
+              </a:ext>
+            </a:extLst>
+          </a:blip>
+          <a:srcRect/>
+          <a:stretch>
+            <a:fillRect/>
+          </a:stretch>
+        </p:blipFill>
+        <p:spPr bwMode="auto">
+          <a:xfrm>
+            <a:off x="4845084" y="3041624"/>
+            <a:ext cx="4135646" cy="3283148"/>
+          </a:xfrm>
+          <a:prstGeom prst="rect">
+            <a:avLst/>
+          </a:prstGeom>
+          <a:noFill/>
+          <a:extLst>
+            <a:ext uri="{909E8E84-426E-40DD-AFC4-6F175D3DCCD1}">
+              <a14:hiddenFill xmlns:a14="http://schemas.microsoft.com/office/drawing/2010/main">
+                <a:solidFill>
+                  <a:srgbClr val="FFFFFF"/>
+                </a:solidFill>
+              </a14:hiddenFill>
+            </a:ext>
+          </a:extLst>
         </p:spPr>
       </p:pic>
     </p:spTree>
@@ -33516,17 +33561,47 @@
         </p:spPr>
         <p:txBody>
           <a:bodyPr>
-            <a:normAutofit/>
+            <a:normAutofit fontScale="90000"/>
           </a:bodyPr>
           <a:lstStyle/>
           <a:p>
             <a:r>
-              <a:rPr lang="en-GB" sz="3500">
+              <a:rPr lang="en-US" sz="3500" kern="1200" dirty="0" err="1">
+                <a:solidFill>
+                  <a:srgbClr val="FFFFFF"/>
+                </a:solidFill>
+                <a:latin typeface="+mj-lt"/>
+                <a:ea typeface="+mj-ea"/>
+                <a:cs typeface="+mj-cs"/>
+              </a:rPr>
+              <a:t>DistilBERT</a:t>
+            </a:r>
+            <a:r>
+              <a:rPr lang="en-US" sz="3500" kern="1200" dirty="0">
+                <a:solidFill>
+                  <a:srgbClr val="FFFFFF"/>
+                </a:solidFill>
+                <a:latin typeface="+mj-lt"/>
+                <a:ea typeface="+mj-ea"/>
+                <a:cs typeface="+mj-cs"/>
+              </a:rPr>
+              <a:t> (t</a:t>
+            </a:r>
+            <a:r>
+              <a:rPr lang="en-GB" sz="3500" dirty="0" err="1">
                 <a:solidFill>
                   <a:srgbClr val="FFFFFF"/>
                 </a:solidFill>
               </a:rPr>
-              <a:t>Tokenization and Fine-tuning</a:t>
+              <a:t>okenization</a:t>
+            </a:r>
+            <a:r>
+              <a:rPr lang="en-GB" sz="3500" dirty="0">
+                <a:solidFill>
+                  <a:srgbClr val="FFFFFF"/>
+                </a:solidFill>
+              </a:rPr>
+              <a:t> and Fine-tuning)</a:t>
             </a:r>
           </a:p>
         </p:txBody>
@@ -33549,7 +33624,7 @@
         </p:nvSpPr>
         <p:spPr>
           <a:xfrm>
-            <a:off x="1028699" y="2318197"/>
+            <a:off x="614171" y="1905879"/>
             <a:ext cx="7293023" cy="3683358"/>
           </a:xfrm>
         </p:spPr>
@@ -34206,7 +34281,7 @@
               </a:lnSpc>
             </a:pPr>
             <a:r>
-              <a:rPr lang="en-US" sz="3500" kern="1200">
+              <a:rPr lang="en-US" sz="3500" kern="1200" dirty="0">
                 <a:solidFill>
                   <a:srgbClr val="FFFFFF"/>
                 </a:solidFill>
@@ -34214,17 +34289,613 @@
                 <a:ea typeface="+mj-ea"/>
                 <a:cs typeface="+mj-cs"/>
               </a:rPr>
-              <a:t>Evaluation of DistilBERT</a:t>
+              <a:t>Evaluation of </a:t>
             </a:r>
+            <a:r>
+              <a:rPr lang="en-US" sz="3500" kern="1200" dirty="0" err="1">
+                <a:solidFill>
+                  <a:srgbClr val="FFFFFF"/>
+                </a:solidFill>
+                <a:latin typeface="+mj-lt"/>
+                <a:ea typeface="+mj-ea"/>
+                <a:cs typeface="+mj-cs"/>
+              </a:rPr>
+              <a:t>DistilBERT</a:t>
+            </a:r>
+            <a:endParaRPr lang="en-US" sz="3500" kern="1200" dirty="0">
+              <a:solidFill>
+                <a:srgbClr val="FFFFFF"/>
+              </a:solidFill>
+              <a:latin typeface="+mj-lt"/>
+              <a:ea typeface="+mj-ea"/>
+              <a:cs typeface="+mj-cs"/>
+            </a:endParaRPr>
           </a:p>
         </p:txBody>
       </p:sp>
       <p:graphicFrame>
         <p:nvGraphicFramePr>
-          <p:cNvPr id="4" name="Content Placeholder 3">
+          <p:cNvPr id="3" name="Table 2">
             <a:extLst>
               <a:ext uri="{FF2B5EF4-FFF2-40B4-BE49-F238E27FC236}">
-                <a16:creationId xmlns:a16="http://schemas.microsoft.com/office/drawing/2014/main" id="{EB94523F-0BD7-A5B6-2F8D-7CA0CF43A86F}"/>
+                <a16:creationId xmlns:a16="http://schemas.microsoft.com/office/drawing/2014/main" id="{39155D8B-8747-F4E4-61A0-13CD55385808}"/>
+              </a:ext>
+            </a:extLst>
+          </p:cNvPr>
+          <p:cNvGraphicFramePr>
+            <a:graphicFrameLocks noGrp="1"/>
+          </p:cNvGraphicFramePr>
+          <p:nvPr>
+            <p:extLst>
+              <p:ext uri="{D42A27DB-BD31-4B8C-83A1-F6EECF244321}">
+                <p14:modId xmlns:p14="http://schemas.microsoft.com/office/powerpoint/2010/main" val="269328371"/>
+              </p:ext>
+            </p:extLst>
+          </p:nvPr>
+        </p:nvGraphicFramePr>
+        <p:xfrm>
+          <a:off x="3489329" y="1034593"/>
+          <a:ext cx="5311770" cy="1981164"/>
+        </p:xfrm>
+        <a:graphic>
+          <a:graphicData uri="http://schemas.openxmlformats.org/drawingml/2006/table">
+            <a:tbl>
+              <a:tblPr/>
+              <a:tblGrid>
+                <a:gridCol w="1062354">
+                  <a:extLst>
+                    <a:ext uri="{9D8B030D-6E8A-4147-A177-3AD203B41FA5}">
+                      <a16:colId xmlns:a16="http://schemas.microsoft.com/office/drawing/2014/main" val="1884775456"/>
+                    </a:ext>
+                  </a:extLst>
+                </a:gridCol>
+                <a:gridCol w="1062354">
+                  <a:extLst>
+                    <a:ext uri="{9D8B030D-6E8A-4147-A177-3AD203B41FA5}">
+                      <a16:colId xmlns:a16="http://schemas.microsoft.com/office/drawing/2014/main" val="2418650388"/>
+                    </a:ext>
+                  </a:extLst>
+                </a:gridCol>
+                <a:gridCol w="1062354">
+                  <a:extLst>
+                    <a:ext uri="{9D8B030D-6E8A-4147-A177-3AD203B41FA5}">
+                      <a16:colId xmlns:a16="http://schemas.microsoft.com/office/drawing/2014/main" val="3885386640"/>
+                    </a:ext>
+                  </a:extLst>
+                </a:gridCol>
+                <a:gridCol w="1062354">
+                  <a:extLst>
+                    <a:ext uri="{9D8B030D-6E8A-4147-A177-3AD203B41FA5}">
+                      <a16:colId xmlns:a16="http://schemas.microsoft.com/office/drawing/2014/main" val="718810069"/>
+                    </a:ext>
+                  </a:extLst>
+                </a:gridCol>
+                <a:gridCol w="1062354">
+                  <a:extLst>
+                    <a:ext uri="{9D8B030D-6E8A-4147-A177-3AD203B41FA5}">
+                      <a16:colId xmlns:a16="http://schemas.microsoft.com/office/drawing/2014/main" val="130383414"/>
+                    </a:ext>
+                  </a:extLst>
+                </a:gridCol>
+              </a:tblGrid>
+              <a:tr h="495291">
+                <a:tc>
+                  <a:txBody>
+                    <a:bodyPr/>
+                    <a:lstStyle/>
+                    <a:p>
+                      <a:endParaRPr lang="en-GB" b="1" dirty="0"/>
+                    </a:p>
+                  </a:txBody>
+                  <a:tcPr anchor="ctr">
+                    <a:lnL>
+                      <a:noFill/>
+                    </a:lnL>
+                    <a:lnR>
+                      <a:noFill/>
+                    </a:lnR>
+                    <a:lnT>
+                      <a:noFill/>
+                    </a:lnT>
+                    <a:lnB>
+                      <a:noFill/>
+                    </a:lnB>
+                    <a:noFill/>
+                  </a:tcPr>
+                </a:tc>
+                <a:tc>
+                  <a:txBody>
+                    <a:bodyPr/>
+                    <a:lstStyle/>
+                    <a:p>
+                      <a:endParaRPr lang="en-GB" b="1" dirty="0"/>
+                    </a:p>
+                  </a:txBody>
+                  <a:tcPr anchor="ctr">
+                    <a:lnL>
+                      <a:noFill/>
+                    </a:lnL>
+                    <a:lnR>
+                      <a:noFill/>
+                    </a:lnR>
+                    <a:lnT>
+                      <a:noFill/>
+                    </a:lnT>
+                    <a:lnB>
+                      <a:noFill/>
+                    </a:lnB>
+                    <a:noFill/>
+                  </a:tcPr>
+                </a:tc>
+                <a:tc>
+                  <a:txBody>
+                    <a:bodyPr/>
+                    <a:lstStyle/>
+                    <a:p>
+                      <a:endParaRPr lang="en-GB" b="1"/>
+                    </a:p>
+                  </a:txBody>
+                  <a:tcPr anchor="ctr">
+                    <a:lnL>
+                      <a:noFill/>
+                    </a:lnL>
+                    <a:lnR>
+                      <a:noFill/>
+                    </a:lnR>
+                    <a:lnT>
+                      <a:noFill/>
+                    </a:lnT>
+                    <a:lnB>
+                      <a:noFill/>
+                    </a:lnB>
+                    <a:noFill/>
+                  </a:tcPr>
+                </a:tc>
+                <a:tc>
+                  <a:txBody>
+                    <a:bodyPr/>
+                    <a:lstStyle/>
+                    <a:p>
+                      <a:endParaRPr lang="en-GB" b="1"/>
+                    </a:p>
+                  </a:txBody>
+                  <a:tcPr anchor="ctr">
+                    <a:lnL>
+                      <a:noFill/>
+                    </a:lnL>
+                    <a:lnR>
+                      <a:noFill/>
+                    </a:lnR>
+                    <a:lnT>
+                      <a:noFill/>
+                    </a:lnT>
+                    <a:lnB>
+                      <a:noFill/>
+                    </a:lnB>
+                    <a:noFill/>
+                  </a:tcPr>
+                </a:tc>
+                <a:tc>
+                  <a:txBody>
+                    <a:bodyPr/>
+                    <a:lstStyle/>
+                    <a:p>
+                      <a:endParaRPr lang="en-GB" b="1" dirty="0"/>
+                    </a:p>
+                  </a:txBody>
+                  <a:tcPr anchor="ctr">
+                    <a:lnL>
+                      <a:noFill/>
+                    </a:lnL>
+                    <a:lnR>
+                      <a:noFill/>
+                    </a:lnR>
+                    <a:lnT>
+                      <a:noFill/>
+                    </a:lnT>
+                    <a:lnB>
+                      <a:noFill/>
+                    </a:lnB>
+                    <a:noFill/>
+                  </a:tcPr>
+                </a:tc>
+                <a:extLst>
+                  <a:ext uri="{0D108BD9-81ED-4DB2-BD59-A6C34878D82A}">
+                    <a16:rowId xmlns:a16="http://schemas.microsoft.com/office/drawing/2014/main" val="3163256153"/>
+                  </a:ext>
+                </a:extLst>
+              </a:tr>
+              <a:tr h="495291">
+                <a:tc>
+                  <a:txBody>
+                    <a:bodyPr/>
+                    <a:lstStyle/>
+                    <a:p>
+                      <a:endParaRPr lang="en-GB"/>
+                    </a:p>
+                  </a:txBody>
+                  <a:tcPr anchor="ctr">
+                    <a:lnL>
+                      <a:noFill/>
+                    </a:lnL>
+                    <a:lnR>
+                      <a:noFill/>
+                    </a:lnR>
+                    <a:lnT>
+                      <a:noFill/>
+                    </a:lnT>
+                    <a:lnB>
+                      <a:noFill/>
+                    </a:lnB>
+                    <a:noFill/>
+                  </a:tcPr>
+                </a:tc>
+                <a:tc>
+                  <a:txBody>
+                    <a:bodyPr/>
+                    <a:lstStyle/>
+                    <a:p>
+                      <a:endParaRPr lang="en-GB"/>
+                    </a:p>
+                  </a:txBody>
+                  <a:tcPr anchor="ctr">
+                    <a:lnL>
+                      <a:noFill/>
+                    </a:lnL>
+                    <a:lnR>
+                      <a:noFill/>
+                    </a:lnR>
+                    <a:lnT>
+                      <a:noFill/>
+                    </a:lnT>
+                    <a:lnB>
+                      <a:noFill/>
+                    </a:lnB>
+                    <a:noFill/>
+                  </a:tcPr>
+                </a:tc>
+                <a:tc>
+                  <a:txBody>
+                    <a:bodyPr/>
+                    <a:lstStyle/>
+                    <a:p>
+                      <a:endParaRPr lang="en-GB" dirty="0"/>
+                    </a:p>
+                  </a:txBody>
+                  <a:tcPr anchor="ctr">
+                    <a:lnL>
+                      <a:noFill/>
+                    </a:lnL>
+                    <a:lnR>
+                      <a:noFill/>
+                    </a:lnR>
+                    <a:lnT>
+                      <a:noFill/>
+                    </a:lnT>
+                    <a:lnB>
+                      <a:noFill/>
+                    </a:lnB>
+                    <a:noFill/>
+                  </a:tcPr>
+                </a:tc>
+                <a:tc>
+                  <a:txBody>
+                    <a:bodyPr/>
+                    <a:lstStyle/>
+                    <a:p>
+                      <a:endParaRPr lang="en-GB"/>
+                    </a:p>
+                  </a:txBody>
+                  <a:tcPr anchor="ctr">
+                    <a:lnL>
+                      <a:noFill/>
+                    </a:lnL>
+                    <a:lnR>
+                      <a:noFill/>
+                    </a:lnR>
+                    <a:lnT>
+                      <a:noFill/>
+                    </a:lnT>
+                    <a:lnB>
+                      <a:noFill/>
+                    </a:lnB>
+                    <a:noFill/>
+                  </a:tcPr>
+                </a:tc>
+                <a:tc>
+                  <a:txBody>
+                    <a:bodyPr/>
+                    <a:lstStyle/>
+                    <a:p>
+                      <a:endParaRPr lang="en-GB" dirty="0"/>
+                    </a:p>
+                  </a:txBody>
+                  <a:tcPr anchor="ctr">
+                    <a:lnL>
+                      <a:noFill/>
+                    </a:lnL>
+                    <a:lnR>
+                      <a:noFill/>
+                    </a:lnR>
+                    <a:lnT>
+                      <a:noFill/>
+                    </a:lnT>
+                    <a:lnB>
+                      <a:noFill/>
+                    </a:lnB>
+                    <a:noFill/>
+                  </a:tcPr>
+                </a:tc>
+                <a:extLst>
+                  <a:ext uri="{0D108BD9-81ED-4DB2-BD59-A6C34878D82A}">
+                    <a16:rowId xmlns:a16="http://schemas.microsoft.com/office/drawing/2014/main" val="1378430671"/>
+                  </a:ext>
+                </a:extLst>
+              </a:tr>
+              <a:tr h="495291">
+                <a:tc>
+                  <a:txBody>
+                    <a:bodyPr/>
+                    <a:lstStyle/>
+                    <a:p>
+                      <a:endParaRPr lang="en-GB"/>
+                    </a:p>
+                  </a:txBody>
+                  <a:tcPr anchor="ctr">
+                    <a:lnL>
+                      <a:noFill/>
+                    </a:lnL>
+                    <a:lnR>
+                      <a:noFill/>
+                    </a:lnR>
+                    <a:lnT>
+                      <a:noFill/>
+                    </a:lnT>
+                    <a:lnB>
+                      <a:noFill/>
+                    </a:lnB>
+                    <a:noFill/>
+                  </a:tcPr>
+                </a:tc>
+                <a:tc>
+                  <a:txBody>
+                    <a:bodyPr/>
+                    <a:lstStyle/>
+                    <a:p>
+                      <a:endParaRPr lang="en-GB"/>
+                    </a:p>
+                  </a:txBody>
+                  <a:tcPr anchor="ctr">
+                    <a:lnL>
+                      <a:noFill/>
+                    </a:lnL>
+                    <a:lnR>
+                      <a:noFill/>
+                    </a:lnR>
+                    <a:lnT>
+                      <a:noFill/>
+                    </a:lnT>
+                    <a:lnB>
+                      <a:noFill/>
+                    </a:lnB>
+                    <a:noFill/>
+                  </a:tcPr>
+                </a:tc>
+                <a:tc>
+                  <a:txBody>
+                    <a:bodyPr/>
+                    <a:lstStyle/>
+                    <a:p>
+                      <a:endParaRPr lang="en-GB"/>
+                    </a:p>
+                  </a:txBody>
+                  <a:tcPr anchor="ctr">
+                    <a:lnL>
+                      <a:noFill/>
+                    </a:lnL>
+                    <a:lnR>
+                      <a:noFill/>
+                    </a:lnR>
+                    <a:lnT>
+                      <a:noFill/>
+                    </a:lnT>
+                    <a:lnB>
+                      <a:noFill/>
+                    </a:lnB>
+                    <a:noFill/>
+                  </a:tcPr>
+                </a:tc>
+                <a:tc>
+                  <a:txBody>
+                    <a:bodyPr/>
+                    <a:lstStyle/>
+                    <a:p>
+                      <a:endParaRPr lang="en-GB"/>
+                    </a:p>
+                  </a:txBody>
+                  <a:tcPr anchor="ctr">
+                    <a:lnL>
+                      <a:noFill/>
+                    </a:lnL>
+                    <a:lnR>
+                      <a:noFill/>
+                    </a:lnR>
+                    <a:lnT>
+                      <a:noFill/>
+                    </a:lnT>
+                    <a:lnB>
+                      <a:noFill/>
+                    </a:lnB>
+                    <a:noFill/>
+                  </a:tcPr>
+                </a:tc>
+                <a:tc>
+                  <a:txBody>
+                    <a:bodyPr/>
+                    <a:lstStyle/>
+                    <a:p>
+                      <a:endParaRPr lang="en-GB"/>
+                    </a:p>
+                  </a:txBody>
+                  <a:tcPr anchor="ctr">
+                    <a:lnL>
+                      <a:noFill/>
+                    </a:lnL>
+                    <a:lnR>
+                      <a:noFill/>
+                    </a:lnR>
+                    <a:lnT>
+                      <a:noFill/>
+                    </a:lnT>
+                    <a:lnB>
+                      <a:noFill/>
+                    </a:lnB>
+                    <a:noFill/>
+                  </a:tcPr>
+                </a:tc>
+                <a:extLst>
+                  <a:ext uri="{0D108BD9-81ED-4DB2-BD59-A6C34878D82A}">
+                    <a16:rowId xmlns:a16="http://schemas.microsoft.com/office/drawing/2014/main" val="3357509899"/>
+                  </a:ext>
+                </a:extLst>
+              </a:tr>
+              <a:tr h="495291">
+                <a:tc>
+                  <a:txBody>
+                    <a:bodyPr/>
+                    <a:lstStyle/>
+                    <a:p>
+                      <a:endParaRPr lang="en-GB"/>
+                    </a:p>
+                  </a:txBody>
+                  <a:tcPr anchor="ctr">
+                    <a:lnL>
+                      <a:noFill/>
+                    </a:lnL>
+                    <a:lnR>
+                      <a:noFill/>
+                    </a:lnR>
+                    <a:lnT>
+                      <a:noFill/>
+                    </a:lnT>
+                    <a:lnB>
+                      <a:noFill/>
+                    </a:lnB>
+                    <a:noFill/>
+                  </a:tcPr>
+                </a:tc>
+                <a:tc>
+                  <a:txBody>
+                    <a:bodyPr/>
+                    <a:lstStyle/>
+                    <a:p>
+                      <a:endParaRPr lang="en-GB"/>
+                    </a:p>
+                  </a:txBody>
+                  <a:tcPr anchor="ctr">
+                    <a:lnL>
+                      <a:noFill/>
+                    </a:lnL>
+                    <a:lnR>
+                      <a:noFill/>
+                    </a:lnR>
+                    <a:lnT>
+                      <a:noFill/>
+                    </a:lnT>
+                    <a:lnB>
+                      <a:noFill/>
+                    </a:lnB>
+                    <a:noFill/>
+                  </a:tcPr>
+                </a:tc>
+                <a:tc>
+                  <a:txBody>
+                    <a:bodyPr/>
+                    <a:lstStyle/>
+                    <a:p>
+                      <a:endParaRPr lang="en-GB" dirty="0"/>
+                    </a:p>
+                  </a:txBody>
+                  <a:tcPr anchor="ctr">
+                    <a:lnL>
+                      <a:noFill/>
+                    </a:lnL>
+                    <a:lnR>
+                      <a:noFill/>
+                    </a:lnR>
+                    <a:lnT>
+                      <a:noFill/>
+                    </a:lnT>
+                    <a:lnB>
+                      <a:noFill/>
+                    </a:lnB>
+                    <a:noFill/>
+                  </a:tcPr>
+                </a:tc>
+                <a:tc>
+                  <a:txBody>
+                    <a:bodyPr/>
+                    <a:lstStyle/>
+                    <a:p>
+                      <a:endParaRPr lang="en-GB"/>
+                    </a:p>
+                  </a:txBody>
+                  <a:tcPr anchor="ctr">
+                    <a:lnL>
+                      <a:noFill/>
+                    </a:lnL>
+                    <a:lnR>
+                      <a:noFill/>
+                    </a:lnR>
+                    <a:lnT>
+                      <a:noFill/>
+                    </a:lnT>
+                    <a:lnB>
+                      <a:noFill/>
+                    </a:lnB>
+                    <a:noFill/>
+                  </a:tcPr>
+                </a:tc>
+                <a:tc>
+                  <a:txBody>
+                    <a:bodyPr/>
+                    <a:lstStyle/>
+                    <a:p>
+                      <a:endParaRPr lang="en-GB" dirty="0"/>
+                    </a:p>
+                  </a:txBody>
+                  <a:tcPr anchor="ctr">
+                    <a:lnL>
+                      <a:noFill/>
+                    </a:lnL>
+                    <a:lnR>
+                      <a:noFill/>
+                    </a:lnR>
+                    <a:lnT>
+                      <a:noFill/>
+                    </a:lnT>
+                    <a:lnB>
+                      <a:noFill/>
+                    </a:lnB>
+                    <a:noFill/>
+                  </a:tcPr>
+                </a:tc>
+                <a:extLst>
+                  <a:ext uri="{0D108BD9-81ED-4DB2-BD59-A6C34878D82A}">
+                    <a16:rowId xmlns:a16="http://schemas.microsoft.com/office/drawing/2014/main" val="2582472725"/>
+                  </a:ext>
+                </a:extLst>
+              </a:tr>
+            </a:tbl>
+          </a:graphicData>
+        </a:graphic>
+      </p:graphicFrame>
+      <p:graphicFrame>
+        <p:nvGraphicFramePr>
+          <p:cNvPr id="10" name="Content Placeholder 9">
+            <a:extLst>
+              <a:ext uri="{FF2B5EF4-FFF2-40B4-BE49-F238E27FC236}">
+                <a16:creationId xmlns:a16="http://schemas.microsoft.com/office/drawing/2014/main" id="{CA622D7C-37D7-2101-80AD-C2845E45F9EB}"/>
               </a:ext>
             </a:extLst>
           </p:cNvPr>
@@ -34235,52 +34906,48 @@
             <p:ph idx="1"/>
             <p:extLst>
               <p:ext uri="{D42A27DB-BD31-4B8C-83A1-F6EECF244321}">
-                <p14:modId xmlns:p14="http://schemas.microsoft.com/office/powerpoint/2010/main" val="297105503"/>
+                <p14:modId xmlns:p14="http://schemas.microsoft.com/office/powerpoint/2010/main" val="992200050"/>
               </p:ext>
             </p:extLst>
           </p:nvPr>
         </p:nvGraphicFramePr>
         <p:xfrm>
-          <a:off x="3937425" y="1584960"/>
-          <a:ext cx="4298104" cy="3688080"/>
+          <a:off x="3686488" y="1019379"/>
+          <a:ext cx="4173794" cy="1828800"/>
         </p:xfrm>
         <a:graphic>
           <a:graphicData uri="http://schemas.openxmlformats.org/drawingml/2006/table">
             <a:tbl>
               <a:tblPr/>
               <a:tblGrid>
-                <a:gridCol w="2300394">
+                <a:gridCol w="2086897">
                   <a:extLst>
                     <a:ext uri="{9D8B030D-6E8A-4147-A177-3AD203B41FA5}">
-                      <a16:colId xmlns:a16="http://schemas.microsoft.com/office/drawing/2014/main" val="788696074"/>
+                      <a16:colId xmlns:a16="http://schemas.microsoft.com/office/drawing/2014/main" val="3812368516"/>
                     </a:ext>
                   </a:extLst>
                 </a:gridCol>
-                <a:gridCol w="1997710">
+                <a:gridCol w="2086897">
                   <a:extLst>
                     <a:ext uri="{9D8B030D-6E8A-4147-A177-3AD203B41FA5}">
-                      <a16:colId xmlns:a16="http://schemas.microsoft.com/office/drawing/2014/main" val="3256875775"/>
+                      <a16:colId xmlns:a16="http://schemas.microsoft.com/office/drawing/2014/main" val="1323998877"/>
                     </a:ext>
                   </a:extLst>
                 </a:gridCol>
               </a:tblGrid>
-              <a:tr h="737616">
+              <a:tr h="0">
                 <a:tc>
                   <a:txBody>
                     <a:bodyPr/>
                     <a:lstStyle/>
                     <a:p>
                       <a:r>
-                        <a:rPr lang="en-GB" sz="3300" b="1">
-                          <a:solidFill>
-                            <a:schemeClr val="tx1"/>
-                          </a:solidFill>
-                        </a:rPr>
+                        <a:rPr lang="en-GB" b="1"/>
                         <a:t>Metric</a:t>
                       </a:r>
                     </a:p>
                   </a:txBody>
-                  <a:tcPr marL="167640" marR="167640" marT="83820" marB="83820" anchor="ctr">
+                  <a:tcPr anchor="ctr">
                     <a:lnL>
                       <a:noFill/>
                     </a:lnL>
@@ -34290,10 +34957,8 @@
                     <a:lnT>
                       <a:noFill/>
                     </a:lnT>
-                    <a:lnB w="19050">
-                      <a:solidFill>
-                        <a:schemeClr val="accent1"/>
-                      </a:solidFill>
+                    <a:lnB>
+                      <a:noFill/>
                     </a:lnB>
                     <a:noFill/>
                   </a:tcPr>
@@ -34304,16 +34969,12 @@
                     <a:lstStyle/>
                     <a:p>
                       <a:r>
-                        <a:rPr lang="en-GB" sz="3300" b="1">
-                          <a:solidFill>
-                            <a:schemeClr val="tx1"/>
-                          </a:solidFill>
-                        </a:rPr>
+                        <a:rPr lang="en-GB" b="1" dirty="0"/>
                         <a:t>Value</a:t>
                       </a:r>
                     </a:p>
                   </a:txBody>
-                  <a:tcPr marL="167640" marR="167640" marT="83820" marB="83820" anchor="ctr">
+                  <a:tcPr anchor="ctr">
                     <a:lnL>
                       <a:noFill/>
                     </a:lnL>
@@ -34323,52 +34984,43 @@
                     <a:lnT>
                       <a:noFill/>
                     </a:lnT>
-                    <a:lnB w="19050">
-                      <a:solidFill>
-                        <a:schemeClr val="accent1"/>
-                      </a:solidFill>
+                    <a:lnB>
+                      <a:noFill/>
                     </a:lnB>
                     <a:noFill/>
                   </a:tcPr>
                 </a:tc>
                 <a:extLst>
                   <a:ext uri="{0D108BD9-81ED-4DB2-BD59-A6C34878D82A}">
-                    <a16:rowId xmlns:a16="http://schemas.microsoft.com/office/drawing/2014/main" val="1077704279"/>
+                    <a16:rowId xmlns:a16="http://schemas.microsoft.com/office/drawing/2014/main" val="2773084791"/>
                   </a:ext>
                 </a:extLst>
               </a:tr>
-              <a:tr h="737616">
+              <a:tr h="0">
                 <a:tc>
                   <a:txBody>
                     <a:bodyPr/>
                     <a:lstStyle/>
                     <a:p>
                       <a:r>
-                        <a:rPr lang="en-GB" sz="3300">
-                          <a:solidFill>
-                            <a:schemeClr val="tx1"/>
-                          </a:solidFill>
-                        </a:rPr>
+                        <a:rPr lang="en-GB" b="1" dirty="0"/>
                         <a:t>Accuracy</a:t>
                       </a:r>
+                      <a:endParaRPr lang="en-GB" dirty="0"/>
                     </a:p>
                   </a:txBody>
-                  <a:tcPr marL="167640" marR="167640" marT="83820" marB="83820" anchor="ctr">
+                  <a:tcPr anchor="ctr">
                     <a:lnL>
                       <a:noFill/>
                     </a:lnL>
                     <a:lnR>
                       <a:noFill/>
                     </a:lnR>
-                    <a:lnT w="19050">
-                      <a:solidFill>
-                        <a:schemeClr val="accent1"/>
-                      </a:solidFill>
+                    <a:lnT>
+                      <a:noFill/>
                     </a:lnT>
-                    <a:lnB w="3175">
-                      <a:solidFill>
-                        <a:schemeClr val="tx1"/>
-                      </a:solidFill>
+                    <a:lnB>
+                      <a:noFill/>
                     </a:lnB>
                     <a:noFill/>
                   </a:tcPr>
@@ -34379,73 +35031,58 @@
                     <a:lstStyle/>
                     <a:p>
                       <a:r>
-                        <a:rPr lang="en-GB" sz="3300">
-                          <a:solidFill>
-                            <a:schemeClr val="tx1"/>
-                          </a:solidFill>
-                        </a:rPr>
-                        <a:t>90.00%</a:t>
+                        <a:rPr lang="en-GB"/>
+                        <a:t>98.00%</a:t>
                       </a:r>
                     </a:p>
                   </a:txBody>
-                  <a:tcPr marL="167640" marR="167640" marT="83820" marB="83820" anchor="ctr">
+                  <a:tcPr anchor="ctr">
                     <a:lnL>
                       <a:noFill/>
                     </a:lnL>
                     <a:lnR>
                       <a:noFill/>
                     </a:lnR>
-                    <a:lnT w="19050">
-                      <a:solidFill>
-                        <a:schemeClr val="accent1"/>
-                      </a:solidFill>
+                    <a:lnT>
+                      <a:noFill/>
                     </a:lnT>
-                    <a:lnB w="3175">
-                      <a:solidFill>
-                        <a:schemeClr val="tx1"/>
-                      </a:solidFill>
+                    <a:lnB>
+                      <a:noFill/>
                     </a:lnB>
                     <a:noFill/>
                   </a:tcPr>
                 </a:tc>
                 <a:extLst>
                   <a:ext uri="{0D108BD9-81ED-4DB2-BD59-A6C34878D82A}">
-                    <a16:rowId xmlns:a16="http://schemas.microsoft.com/office/drawing/2014/main" val="2646082410"/>
+                    <a16:rowId xmlns:a16="http://schemas.microsoft.com/office/drawing/2014/main" val="1738867612"/>
                   </a:ext>
                 </a:extLst>
               </a:tr>
-              <a:tr h="737616">
+              <a:tr h="0">
                 <a:tc>
                   <a:txBody>
                     <a:bodyPr/>
                     <a:lstStyle/>
                     <a:p>
                       <a:r>
-                        <a:rPr lang="en-GB" sz="3300">
-                          <a:solidFill>
-                            <a:schemeClr val="tx1"/>
-                          </a:solidFill>
-                        </a:rPr>
+                        <a:rPr lang="en-GB" b="1"/>
                         <a:t>Precision</a:t>
                       </a:r>
+                      <a:endParaRPr lang="en-GB"/>
                     </a:p>
                   </a:txBody>
-                  <a:tcPr marL="167640" marR="167640" marT="83820" marB="83820" anchor="ctr">
+                  <a:tcPr anchor="ctr">
                     <a:lnL>
                       <a:noFill/>
                     </a:lnL>
                     <a:lnR>
                       <a:noFill/>
                     </a:lnR>
-                    <a:lnT w="3175">
-                      <a:solidFill>
-                        <a:schemeClr val="tx1"/>
-                      </a:solidFill>
+                    <a:lnT>
+                      <a:noFill/>
                     </a:lnT>
-                    <a:lnB w="3175">
-                      <a:solidFill>
-                        <a:schemeClr val="tx1"/>
-                      </a:solidFill>
+                    <a:lnB>
+                      <a:noFill/>
                     </a:lnB>
                     <a:noFill/>
                   </a:tcPr>
@@ -34456,73 +35093,58 @@
                     <a:lstStyle/>
                     <a:p>
                       <a:r>
-                        <a:rPr lang="en-GB" sz="3300">
-                          <a:solidFill>
-                            <a:schemeClr val="tx1"/>
-                          </a:solidFill>
-                        </a:rPr>
-                        <a:t>91.00%</a:t>
+                        <a:rPr lang="en-GB"/>
+                        <a:t>98.00%</a:t>
                       </a:r>
                     </a:p>
                   </a:txBody>
-                  <a:tcPr marL="167640" marR="167640" marT="83820" marB="83820" anchor="ctr">
+                  <a:tcPr anchor="ctr">
                     <a:lnL>
                       <a:noFill/>
                     </a:lnL>
                     <a:lnR>
                       <a:noFill/>
                     </a:lnR>
-                    <a:lnT w="3175">
-                      <a:solidFill>
-                        <a:schemeClr val="tx1"/>
-                      </a:solidFill>
+                    <a:lnT>
+                      <a:noFill/>
                     </a:lnT>
-                    <a:lnB w="3175">
-                      <a:solidFill>
-                        <a:schemeClr val="tx1"/>
-                      </a:solidFill>
+                    <a:lnB>
+                      <a:noFill/>
                     </a:lnB>
                     <a:noFill/>
                   </a:tcPr>
                 </a:tc>
                 <a:extLst>
                   <a:ext uri="{0D108BD9-81ED-4DB2-BD59-A6C34878D82A}">
-                    <a16:rowId xmlns:a16="http://schemas.microsoft.com/office/drawing/2014/main" val="1258623219"/>
+                    <a16:rowId xmlns:a16="http://schemas.microsoft.com/office/drawing/2014/main" val="1440344540"/>
                   </a:ext>
                 </a:extLst>
               </a:tr>
-              <a:tr h="737616">
+              <a:tr h="0">
                 <a:tc>
                   <a:txBody>
                     <a:bodyPr/>
                     <a:lstStyle/>
                     <a:p>
                       <a:r>
-                        <a:rPr lang="en-GB" sz="3300">
-                          <a:solidFill>
-                            <a:schemeClr val="tx1"/>
-                          </a:solidFill>
-                        </a:rPr>
+                        <a:rPr lang="en-GB" b="1"/>
                         <a:t>Recall</a:t>
                       </a:r>
+                      <a:endParaRPr lang="en-GB"/>
                     </a:p>
                   </a:txBody>
-                  <a:tcPr marL="167640" marR="167640" marT="83820" marB="83820" anchor="ctr">
+                  <a:tcPr anchor="ctr">
                     <a:lnL>
                       <a:noFill/>
                     </a:lnL>
                     <a:lnR>
                       <a:noFill/>
                     </a:lnR>
-                    <a:lnT w="3175">
-                      <a:solidFill>
-                        <a:schemeClr val="tx1"/>
-                      </a:solidFill>
+                    <a:lnT>
+                      <a:noFill/>
                     </a:lnT>
-                    <a:lnB w="3175">
-                      <a:solidFill>
-                        <a:schemeClr val="tx1"/>
-                      </a:solidFill>
+                    <a:lnB>
+                      <a:noFill/>
                     </a:lnB>
                     <a:noFill/>
                   </a:tcPr>
@@ -34533,73 +35155,58 @@
                     <a:lstStyle/>
                     <a:p>
                       <a:r>
-                        <a:rPr lang="en-GB" sz="3300">
-                          <a:solidFill>
-                            <a:schemeClr val="tx1"/>
-                          </a:solidFill>
-                        </a:rPr>
-                        <a:t>89.00%</a:t>
+                        <a:rPr lang="en-GB"/>
+                        <a:t>98.00%</a:t>
                       </a:r>
                     </a:p>
                   </a:txBody>
-                  <a:tcPr marL="167640" marR="167640" marT="83820" marB="83820" anchor="ctr">
+                  <a:tcPr anchor="ctr">
                     <a:lnL>
                       <a:noFill/>
                     </a:lnL>
                     <a:lnR>
                       <a:noFill/>
                     </a:lnR>
-                    <a:lnT w="3175">
-                      <a:solidFill>
-                        <a:schemeClr val="tx1"/>
-                      </a:solidFill>
+                    <a:lnT>
+                      <a:noFill/>
                     </a:lnT>
-                    <a:lnB w="3175">
-                      <a:solidFill>
-                        <a:schemeClr val="tx1"/>
-                      </a:solidFill>
+                    <a:lnB>
+                      <a:noFill/>
                     </a:lnB>
                     <a:noFill/>
                   </a:tcPr>
                 </a:tc>
                 <a:extLst>
                   <a:ext uri="{0D108BD9-81ED-4DB2-BD59-A6C34878D82A}">
-                    <a16:rowId xmlns:a16="http://schemas.microsoft.com/office/drawing/2014/main" val="35242102"/>
+                    <a16:rowId xmlns:a16="http://schemas.microsoft.com/office/drawing/2014/main" val="847378698"/>
                   </a:ext>
                 </a:extLst>
               </a:tr>
-              <a:tr h="737616">
+              <a:tr h="0">
                 <a:tc>
                   <a:txBody>
                     <a:bodyPr/>
                     <a:lstStyle/>
                     <a:p>
                       <a:r>
-                        <a:rPr lang="en-GB" sz="3300">
-                          <a:solidFill>
-                            <a:schemeClr val="tx1"/>
-                          </a:solidFill>
-                        </a:rPr>
+                        <a:rPr lang="en-GB" b="1"/>
                         <a:t>F1-Score</a:t>
                       </a:r>
+                      <a:endParaRPr lang="en-GB"/>
                     </a:p>
                   </a:txBody>
-                  <a:tcPr marL="167640" marR="167640" marT="83820" marB="83820" anchor="ctr">
+                  <a:tcPr anchor="ctr">
                     <a:lnL>
                       <a:noFill/>
                     </a:lnL>
                     <a:lnR>
                       <a:noFill/>
                     </a:lnR>
-                    <a:lnT w="3175">
-                      <a:solidFill>
-                        <a:schemeClr val="tx1"/>
-                      </a:solidFill>
+                    <a:lnT>
+                      <a:noFill/>
                     </a:lnT>
-                    <a:lnB w="12700">
-                      <a:solidFill>
-                        <a:schemeClr val="accent1"/>
-                      </a:solidFill>
+                    <a:lnB>
+                      <a:noFill/>
                     </a:lnB>
                     <a:noFill/>
                   </a:tcPr>
@@ -34610,38 +35217,30 @@
                     <a:lstStyle/>
                     <a:p>
                       <a:r>
-                        <a:rPr lang="en-GB" sz="3300">
-                          <a:solidFill>
-                            <a:schemeClr val="tx1"/>
-                          </a:solidFill>
-                        </a:rPr>
-                        <a:t>90.00%</a:t>
+                        <a:rPr lang="en-GB" dirty="0"/>
+                        <a:t>98.00%</a:t>
                       </a:r>
                     </a:p>
                   </a:txBody>
-                  <a:tcPr marL="167640" marR="167640" marT="83820" marB="83820" anchor="ctr">
+                  <a:tcPr anchor="ctr">
                     <a:lnL>
                       <a:noFill/>
                     </a:lnL>
                     <a:lnR>
                       <a:noFill/>
                     </a:lnR>
-                    <a:lnT w="3175">
-                      <a:solidFill>
-                        <a:schemeClr val="tx1"/>
-                      </a:solidFill>
+                    <a:lnT>
+                      <a:noFill/>
                     </a:lnT>
-                    <a:lnB w="12700">
-                      <a:solidFill>
-                        <a:schemeClr val="accent1"/>
-                      </a:solidFill>
+                    <a:lnB>
+                      <a:noFill/>
                     </a:lnB>
                     <a:noFill/>
                   </a:tcPr>
                 </a:tc>
                 <a:extLst>
                   <a:ext uri="{0D108BD9-81ED-4DB2-BD59-A6C34878D82A}">
-                    <a16:rowId xmlns:a16="http://schemas.microsoft.com/office/drawing/2014/main" val="1776617324"/>
+                    <a16:rowId xmlns:a16="http://schemas.microsoft.com/office/drawing/2014/main" val="403882527"/>
                   </a:ext>
                 </a:extLst>
               </a:tr>
@@ -34649,6 +35248,88 @@
           </a:graphicData>
         </a:graphic>
       </p:graphicFrame>
+      <p:sp>
+        <p:nvSpPr>
+          <p:cNvPr id="14" name="TextBox 13">
+            <a:extLst>
+              <a:ext uri="{FF2B5EF4-FFF2-40B4-BE49-F238E27FC236}">
+                <a16:creationId xmlns:a16="http://schemas.microsoft.com/office/drawing/2014/main" id="{64A8BDA4-369A-72F2-823A-E265F9CD92B5}"/>
+              </a:ext>
+            </a:extLst>
+          </p:cNvPr>
+          <p:cNvSpPr txBox="1"/>
+          <p:nvPr/>
+        </p:nvSpPr>
+        <p:spPr>
+          <a:xfrm>
+            <a:off x="3371856" y="599538"/>
+            <a:ext cx="4803058" cy="369332"/>
+          </a:xfrm>
+          <a:prstGeom prst="rect">
+            <a:avLst/>
+          </a:prstGeom>
+          <a:noFill/>
+        </p:spPr>
+        <p:txBody>
+          <a:bodyPr wrap="square">
+            <a:spAutoFit/>
+          </a:bodyPr>
+          <a:lstStyle/>
+          <a:p>
+            <a:r>
+              <a:rPr lang="en-GB" b="1" u="sng" dirty="0"/>
+              <a:t>Evaluation Metrics:</a:t>
+            </a:r>
+          </a:p>
+        </p:txBody>
+      </p:sp>
+      <p:pic>
+        <p:nvPicPr>
+          <p:cNvPr id="1027" name="Picture 3">
+            <a:extLst>
+              <a:ext uri="{FF2B5EF4-FFF2-40B4-BE49-F238E27FC236}">
+                <a16:creationId xmlns:a16="http://schemas.microsoft.com/office/drawing/2014/main" id="{1E95350A-79A1-3CC3-8A9D-2DD46B45D40F}"/>
+              </a:ext>
+            </a:extLst>
+          </p:cNvPr>
+          <p:cNvPicPr>
+            <a:picLocks noChangeAspect="1" noChangeArrowheads="1"/>
+          </p:cNvPicPr>
+          <p:nvPr/>
+        </p:nvPicPr>
+        <p:blipFill>
+          <a:blip r:embed="rId2">
+            <a:extLst>
+              <a:ext uri="{28A0092B-C50C-407E-A947-70E740481C1C}">
+                <a14:useLocalDpi xmlns:a14="http://schemas.microsoft.com/office/drawing/2010/main" val="0"/>
+              </a:ext>
+            </a:extLst>
+          </a:blip>
+          <a:srcRect/>
+          <a:stretch>
+            <a:fillRect/>
+          </a:stretch>
+        </p:blipFill>
+        <p:spPr bwMode="auto">
+          <a:xfrm>
+            <a:off x="3932743" y="3161887"/>
+            <a:ext cx="4361406" cy="3549982"/>
+          </a:xfrm>
+          <a:prstGeom prst="rect">
+            <a:avLst/>
+          </a:prstGeom>
+          <a:noFill/>
+          <a:extLst>
+            <a:ext uri="{909E8E84-426E-40DD-AFC4-6F175D3DCCD1}">
+              <a14:hiddenFill xmlns:a14="http://schemas.microsoft.com/office/drawing/2010/main">
+                <a:solidFill>
+                  <a:srgbClr val="FFFFFF"/>
+                </a:solidFill>
+              </a14:hiddenFill>
+            </a:ext>
+          </a:extLst>
+        </p:spPr>
+      </p:pic>
     </p:spTree>
     <p:extLst>
       <p:ext uri="{BB962C8B-B14F-4D97-AF65-F5344CB8AC3E}">
@@ -36389,406 +37070,6 @@
   </p:cSld>
   <p:clrMapOvr>
     <a:overrideClrMapping bg1="dk1" tx1="lt1" bg2="dk2" tx2="lt2" accent1="accent1" accent2="accent2" accent3="accent3" accent4="accent4" accent5="accent5" accent6="accent6" hlink="hlink" folHlink="folHlink"/>
-  </p:clrMapOvr>
-</p:sld>
-</file>
-
-<file path=ppt/slides/slide18.xml><?xml version="1.0" encoding="utf-8"?>
-<p:sld xmlns:a="http://schemas.openxmlformats.org/drawingml/2006/main" xmlns:r="http://schemas.openxmlformats.org/officeDocument/2006/relationships" xmlns:p="http://schemas.openxmlformats.org/presentationml/2006/main">
-  <p:cSld>
-    <p:spTree>
-      <p:nvGrpSpPr>
-        <p:cNvPr id="1" name=""/>
-        <p:cNvGrpSpPr/>
-        <p:nvPr/>
-      </p:nvGrpSpPr>
-      <p:grpSpPr>
-        <a:xfrm>
-          <a:off x="0" y="0"/>
-          <a:ext cx="0" cy="0"/>
-          <a:chOff x="0" y="0"/>
-          <a:chExt cx="0" cy="0"/>
-        </a:xfrm>
-      </p:grpSpPr>
-      <p:sp>
-        <p:nvSpPr>
-          <p:cNvPr id="2" name="Title 1">
-            <a:extLst>
-              <a:ext uri="{FF2B5EF4-FFF2-40B4-BE49-F238E27FC236}">
-                <a16:creationId xmlns:a16="http://schemas.microsoft.com/office/drawing/2014/main" id="{630A4690-E24C-F452-5965-C09989D591F5}"/>
-              </a:ext>
-            </a:extLst>
-          </p:cNvPr>
-          <p:cNvSpPr>
-            <a:spLocks noGrp="1"/>
-          </p:cNvSpPr>
-          <p:nvPr>
-            <p:ph type="title"/>
-          </p:nvPr>
-        </p:nvSpPr>
-        <p:spPr/>
-        <p:txBody>
-          <a:bodyPr>
-            <a:normAutofit fontScale="90000"/>
-          </a:bodyPr>
-          <a:lstStyle/>
-          <a:p>
-            <a:r>
-              <a:rPr lang="en-GB" b="1" dirty="0"/>
-              <a:t>Evaluation Metrics</a:t>
-            </a:r>
-            <a:br>
-              <a:rPr lang="en-GB" b="1" dirty="0"/>
-            </a:br>
-            <a:endParaRPr lang="en-GB" dirty="0"/>
-          </a:p>
-        </p:txBody>
-      </p:sp>
-      <p:sp>
-        <p:nvSpPr>
-          <p:cNvPr id="3" name="Content Placeholder 2">
-            <a:extLst>
-              <a:ext uri="{FF2B5EF4-FFF2-40B4-BE49-F238E27FC236}">
-                <a16:creationId xmlns:a16="http://schemas.microsoft.com/office/drawing/2014/main" id="{55548F87-6EC6-16FC-B060-2CFBE626D328}"/>
-              </a:ext>
-            </a:extLst>
-          </p:cNvPr>
-          <p:cNvSpPr>
-            <a:spLocks noGrp="1"/>
-          </p:cNvSpPr>
-          <p:nvPr>
-            <p:ph idx="1"/>
-          </p:nvPr>
-        </p:nvSpPr>
-        <p:spPr/>
-        <p:txBody>
-          <a:bodyPr>
-            <a:normAutofit fontScale="85000" lnSpcReduction="10000"/>
-          </a:bodyPr>
-          <a:lstStyle/>
-          <a:p>
-            <a:pPr>
-              <a:buFont typeface="Arial" panose="020B0604020202020204" pitchFamily="34" charset="0"/>
-              <a:buChar char="•"/>
-            </a:pPr>
-            <a:r>
-              <a:rPr lang="en-GB" b="1" dirty="0"/>
-              <a:t>Metrics Used</a:t>
-            </a:r>
-            <a:r>
-              <a:rPr lang="en-GB" dirty="0"/>
-              <a:t>:</a:t>
-            </a:r>
-          </a:p>
-          <a:p>
-            <a:pPr marL="742950" lvl="1" indent="-285750">
-              <a:buFont typeface="Arial" panose="020B0604020202020204" pitchFamily="34" charset="0"/>
-              <a:buChar char="•"/>
-            </a:pPr>
-            <a:r>
-              <a:rPr lang="en-GB" b="1" dirty="0"/>
-              <a:t>Accuracy</a:t>
-            </a:r>
-            <a:r>
-              <a:rPr lang="en-GB" dirty="0"/>
-              <a:t>: 94% overall prediction correctness.</a:t>
-            </a:r>
-          </a:p>
-          <a:p>
-            <a:pPr marL="742950" lvl="1" indent="-285750">
-              <a:buFont typeface="Arial" panose="020B0604020202020204" pitchFamily="34" charset="0"/>
-              <a:buChar char="•"/>
-            </a:pPr>
-            <a:r>
-              <a:rPr lang="en-GB" b="1" dirty="0"/>
-              <a:t>Precision &amp; Recall</a:t>
-            </a:r>
-            <a:r>
-              <a:rPr lang="en-GB" dirty="0"/>
-              <a:t>: High values across positive and negative classes.</a:t>
-            </a:r>
-          </a:p>
-          <a:p>
-            <a:pPr marL="742950" lvl="1" indent="-285750">
-              <a:buFont typeface="Arial" panose="020B0604020202020204" pitchFamily="34" charset="0"/>
-              <a:buChar char="•"/>
-            </a:pPr>
-            <a:r>
-              <a:rPr lang="en-GB" b="1" dirty="0"/>
-              <a:t>F1 Score</a:t>
-            </a:r>
-            <a:r>
-              <a:rPr lang="en-GB" dirty="0"/>
-              <a:t>: Balanced performance for all sentiment categories.</a:t>
-            </a:r>
-          </a:p>
-          <a:p>
-            <a:pPr>
-              <a:buFont typeface="Arial" panose="020B0604020202020204" pitchFamily="34" charset="0"/>
-              <a:buChar char="•"/>
-            </a:pPr>
-            <a:r>
-              <a:rPr lang="en-GB" b="1" dirty="0"/>
-              <a:t>Confusion Matrix</a:t>
-            </a:r>
-            <a:r>
-              <a:rPr lang="en-GB" dirty="0"/>
-              <a:t>:</a:t>
-            </a:r>
-          </a:p>
-          <a:p>
-            <a:pPr marL="742950" lvl="1" indent="-285750">
-              <a:buFont typeface="Arial" panose="020B0604020202020204" pitchFamily="34" charset="0"/>
-              <a:buChar char="•"/>
-            </a:pPr>
-            <a:r>
-              <a:rPr lang="en-GB" dirty="0"/>
-              <a:t>Clear separation of classes.</a:t>
-            </a:r>
-          </a:p>
-          <a:p>
-            <a:pPr marL="742950" lvl="1" indent="-285750">
-              <a:buFont typeface="Arial" panose="020B0604020202020204" pitchFamily="34" charset="0"/>
-              <a:buChar char="•"/>
-            </a:pPr>
-            <a:r>
-              <a:rPr lang="en-GB" dirty="0"/>
-              <a:t>Minor misclassifications in neutral reviews due to ambiguity.</a:t>
-            </a:r>
-          </a:p>
-          <a:p>
-            <a:pPr>
-              <a:buFont typeface="Arial" panose="020B0604020202020204" pitchFamily="34" charset="0"/>
-              <a:buChar char="•"/>
-            </a:pPr>
-            <a:r>
-              <a:rPr lang="en-GB" b="1" dirty="0"/>
-              <a:t>Visual</a:t>
-            </a:r>
-            <a:r>
-              <a:rPr lang="en-GB" dirty="0"/>
-              <a:t>: Confusion matrix with performance highlights.</a:t>
-            </a:r>
-          </a:p>
-          <a:p>
-            <a:endParaRPr lang="en-GB" dirty="0"/>
-          </a:p>
-        </p:txBody>
-      </p:sp>
-    </p:spTree>
-    <p:extLst>
-      <p:ext uri="{BB962C8B-B14F-4D97-AF65-F5344CB8AC3E}">
-        <p14:creationId xmlns:p14="http://schemas.microsoft.com/office/powerpoint/2010/main" val="1334032139"/>
-      </p:ext>
-    </p:extLst>
-  </p:cSld>
-  <p:clrMapOvr>
-    <a:masterClrMapping/>
-  </p:clrMapOvr>
-</p:sld>
-</file>
-
-<file path=ppt/slides/slide19.xml><?xml version="1.0" encoding="utf-8"?>
-<p:sld xmlns:a="http://schemas.openxmlformats.org/drawingml/2006/main" xmlns:r="http://schemas.openxmlformats.org/officeDocument/2006/relationships" xmlns:p="http://schemas.openxmlformats.org/presentationml/2006/main">
-  <p:cSld>
-    <p:spTree>
-      <p:nvGrpSpPr>
-        <p:cNvPr id="1" name=""/>
-        <p:cNvGrpSpPr/>
-        <p:nvPr/>
-      </p:nvGrpSpPr>
-      <p:grpSpPr>
-        <a:xfrm>
-          <a:off x="0" y="0"/>
-          <a:ext cx="0" cy="0"/>
-          <a:chOff x="0" y="0"/>
-          <a:chExt cx="0" cy="0"/>
-        </a:xfrm>
-      </p:grpSpPr>
-      <p:sp>
-        <p:nvSpPr>
-          <p:cNvPr id="2" name="Title 1">
-            <a:extLst>
-              <a:ext uri="{FF2B5EF4-FFF2-40B4-BE49-F238E27FC236}">
-                <a16:creationId xmlns:a16="http://schemas.microsoft.com/office/drawing/2014/main" id="{8C4783E1-26DD-F14A-3D05-5FE0DF9EB941}"/>
-              </a:ext>
-            </a:extLst>
-          </p:cNvPr>
-          <p:cNvSpPr>
-            <a:spLocks noGrp="1"/>
-          </p:cNvSpPr>
-          <p:nvPr>
-            <p:ph type="title"/>
-          </p:nvPr>
-        </p:nvSpPr>
-        <p:spPr/>
-        <p:txBody>
-          <a:bodyPr>
-            <a:normAutofit fontScale="90000"/>
-          </a:bodyPr>
-          <a:lstStyle/>
-          <a:p>
-            <a:r>
-              <a:rPr lang="en-GB" b="1" dirty="0"/>
-              <a:t>Evaluation Results</a:t>
-            </a:r>
-            <a:br>
-              <a:rPr lang="en-GB" b="1" dirty="0"/>
-            </a:br>
-            <a:endParaRPr lang="en-GB" dirty="0"/>
-          </a:p>
-        </p:txBody>
-      </p:sp>
-      <p:sp>
-        <p:nvSpPr>
-          <p:cNvPr id="13" name="Content Placeholder 12">
-            <a:extLst>
-              <a:ext uri="{FF2B5EF4-FFF2-40B4-BE49-F238E27FC236}">
-                <a16:creationId xmlns:a16="http://schemas.microsoft.com/office/drawing/2014/main" id="{84FDBE81-AB8B-8B2C-0802-66696FD48B45}"/>
-              </a:ext>
-            </a:extLst>
-          </p:cNvPr>
-          <p:cNvSpPr>
-            <a:spLocks noGrp="1"/>
-          </p:cNvSpPr>
-          <p:nvPr>
-            <p:ph idx="1"/>
-          </p:nvPr>
-        </p:nvSpPr>
-        <p:spPr/>
-        <p:txBody>
-          <a:bodyPr>
-            <a:normAutofit fontScale="85000" lnSpcReduction="20000"/>
-          </a:bodyPr>
-          <a:lstStyle/>
-          <a:p>
-            <a:pPr>
-              <a:buFont typeface="Arial" panose="020B0604020202020204" pitchFamily="34" charset="0"/>
-              <a:buChar char="•"/>
-            </a:pPr>
-            <a:r>
-              <a:rPr lang="en-GB" b="1" dirty="0"/>
-              <a:t>Performance Summary</a:t>
-            </a:r>
-            <a:r>
-              <a:rPr lang="en-GB" dirty="0"/>
-              <a:t>:</a:t>
-            </a:r>
-          </a:p>
-          <a:p>
-            <a:pPr marL="742950" lvl="1" indent="-285750">
-              <a:buFont typeface="Arial" panose="020B0604020202020204" pitchFamily="34" charset="0"/>
-              <a:buChar char="•"/>
-            </a:pPr>
-            <a:r>
-              <a:rPr lang="en-GB" dirty="0"/>
-              <a:t>Accuracy: 94%.</a:t>
-            </a:r>
-          </a:p>
-          <a:p>
-            <a:pPr marL="742950" lvl="1" indent="-285750">
-              <a:buFont typeface="Arial" panose="020B0604020202020204" pitchFamily="34" charset="0"/>
-              <a:buChar char="•"/>
-            </a:pPr>
-            <a:r>
-              <a:rPr lang="en-GB" dirty="0"/>
-              <a:t>F1 Score: Balanced across classes (highlight values for each class).</a:t>
-            </a:r>
-          </a:p>
-          <a:p>
-            <a:pPr marL="742950" lvl="1" indent="-285750">
-              <a:buFont typeface="Arial" panose="020B0604020202020204" pitchFamily="34" charset="0"/>
-              <a:buChar char="•"/>
-            </a:pPr>
-            <a:r>
-              <a:rPr lang="en-GB" b="1" dirty="0"/>
-              <a:t>Misclassified Cases</a:t>
-            </a:r>
-            <a:r>
-              <a:rPr lang="en-GB" dirty="0"/>
-              <a:t>:</a:t>
-            </a:r>
-          </a:p>
-          <a:p>
-            <a:pPr marL="1143000" lvl="2" indent="-228600">
-              <a:buFont typeface="Arial" panose="020B0604020202020204" pitchFamily="34" charset="0"/>
-              <a:buChar char="•"/>
-            </a:pPr>
-            <a:r>
-              <a:rPr lang="en-GB" dirty="0"/>
-              <a:t>Neutral reviews with mixed sentiments (e.g., </a:t>
-            </a:r>
-            <a:r>
-              <a:rPr lang="en-GB" i="1" dirty="0"/>
-              <a:t>"It's okay, but I expected more."</a:t>
-            </a:r>
-            <a:r>
-              <a:rPr lang="en-GB" dirty="0"/>
-              <a:t>).</a:t>
-            </a:r>
-          </a:p>
-          <a:p>
-            <a:pPr marL="1143000" lvl="2" indent="-228600">
-              <a:buFont typeface="Arial" panose="020B0604020202020204" pitchFamily="34" charset="0"/>
-              <a:buChar char="•"/>
-            </a:pPr>
-            <a:r>
-              <a:rPr lang="en-GB" dirty="0"/>
-              <a:t>Ambiguous short reviews.</a:t>
-            </a:r>
-          </a:p>
-          <a:p>
-            <a:pPr>
-              <a:buFont typeface="Arial" panose="020B0604020202020204" pitchFamily="34" charset="0"/>
-              <a:buChar char="•"/>
-            </a:pPr>
-            <a:r>
-              <a:rPr lang="en-GB" b="1" dirty="0"/>
-              <a:t>Good Cases</a:t>
-            </a:r>
-            <a:r>
-              <a:rPr lang="en-GB" dirty="0"/>
-              <a:t>:</a:t>
-            </a:r>
-          </a:p>
-          <a:p>
-            <a:pPr marL="742950" lvl="1" indent="-285750">
-              <a:buFont typeface="Arial" panose="020B0604020202020204" pitchFamily="34" charset="0"/>
-              <a:buChar char="•"/>
-            </a:pPr>
-            <a:r>
-              <a:rPr lang="en-GB" dirty="0"/>
-              <a:t>Strong sentiment alignment for positive and negative reviews.</a:t>
-            </a:r>
-          </a:p>
-          <a:p>
-            <a:pPr>
-              <a:buFont typeface="Arial" panose="020B0604020202020204" pitchFamily="34" charset="0"/>
-              <a:buChar char="•"/>
-            </a:pPr>
-            <a:r>
-              <a:rPr lang="en-GB" b="1" dirty="0"/>
-              <a:t>Diagram</a:t>
-            </a:r>
-            <a:r>
-              <a:rPr lang="en-GB" dirty="0"/>
-              <a:t>: Bar chart comparing accuracy, precision, recall, and F1 scores.</a:t>
-            </a:r>
-          </a:p>
-          <a:p>
-            <a:endParaRPr lang="en-GB" dirty="0"/>
-          </a:p>
-        </p:txBody>
-      </p:sp>
-    </p:spTree>
-    <p:extLst>
-      <p:ext uri="{BB962C8B-B14F-4D97-AF65-F5344CB8AC3E}">
-        <p14:creationId xmlns:p14="http://schemas.microsoft.com/office/powerpoint/2010/main" val="3596786840"/>
-      </p:ext>
-    </p:extLst>
-  </p:cSld>
-  <p:clrMapOvr>
-    <a:masterClrMapping/>
   </p:clrMapOvr>
 </p:sld>
 </file>
@@ -39703,7 +39984,7 @@
               </a:lnSpc>
             </a:pPr>
             <a:r>
-              <a:rPr lang="en-US" sz="3500" kern="1200">
+              <a:rPr lang="en-US" sz="3500" kern="1200" dirty="0">
                 <a:solidFill>
                   <a:schemeClr val="tx1"/>
                 </a:solidFill>
@@ -40186,7 +40467,7 @@
             <p:ph idx="1"/>
             <p:extLst>
               <p:ext uri="{D42A27DB-BD31-4B8C-83A1-F6EECF244321}">
-                <p14:modId xmlns:p14="http://schemas.microsoft.com/office/powerpoint/2010/main" val="3525083156"/>
+                <p14:modId xmlns:p14="http://schemas.microsoft.com/office/powerpoint/2010/main" val="372448630"/>
               </p:ext>
             </p:extLst>
           </p:nvPr>
@@ -40791,6 +41072,53 @@
           </a:graphicData>
         </a:graphic>
       </p:graphicFrame>
+      <p:pic>
+        <p:nvPicPr>
+          <p:cNvPr id="2050" name="Picture 2">
+            <a:extLst>
+              <a:ext uri="{FF2B5EF4-FFF2-40B4-BE49-F238E27FC236}">
+                <a16:creationId xmlns:a16="http://schemas.microsoft.com/office/drawing/2014/main" id="{D9D11730-297A-9D0A-E15D-57682A8195A8}"/>
+              </a:ext>
+            </a:extLst>
+          </p:cNvPr>
+          <p:cNvPicPr>
+            <a:picLocks noChangeAspect="1" noChangeArrowheads="1"/>
+          </p:cNvPicPr>
+          <p:nvPr/>
+        </p:nvPicPr>
+        <p:blipFill>
+          <a:blip r:embed="rId2">
+            <a:extLst>
+              <a:ext uri="{28A0092B-C50C-407E-A947-70E740481C1C}">
+                <a14:useLocalDpi xmlns:a14="http://schemas.microsoft.com/office/drawing/2010/main" val="0"/>
+              </a:ext>
+            </a:extLst>
+          </a:blip>
+          <a:srcRect/>
+          <a:stretch>
+            <a:fillRect/>
+          </a:stretch>
+        </p:blipFill>
+        <p:spPr bwMode="auto">
+          <a:xfrm>
+            <a:off x="536448" y="3428988"/>
+            <a:ext cx="4427627" cy="3428999"/>
+          </a:xfrm>
+          <a:prstGeom prst="rect">
+            <a:avLst/>
+          </a:prstGeom>
+          <a:noFill/>
+          <a:extLst>
+            <a:ext uri="{909E8E84-426E-40DD-AFC4-6F175D3DCCD1}">
+              <a14:hiddenFill xmlns:a14="http://schemas.microsoft.com/office/drawing/2010/main">
+                <a:solidFill>
+                  <a:srgbClr val="FFFFFF"/>
+                </a:solidFill>
+              </a14:hiddenFill>
+            </a:ext>
+          </a:extLst>
+        </p:spPr>
+      </p:pic>
     </p:spTree>
     <p:extLst>
       <p:ext uri="{BB962C8B-B14F-4D97-AF65-F5344CB8AC3E}">
@@ -41301,28 +41629,28 @@
           <p:nvPr>
             <p:extLst>
               <p:ext uri="{D42A27DB-BD31-4B8C-83A1-F6EECF244321}">
-                <p14:modId xmlns:p14="http://schemas.microsoft.com/office/powerpoint/2010/main" val="378483066"/>
+                <p14:modId xmlns:p14="http://schemas.microsoft.com/office/powerpoint/2010/main" val="1149075771"/>
               </p:ext>
             </p:extLst>
           </p:nvPr>
         </p:nvGraphicFramePr>
         <p:xfrm>
-          <a:off x="5233807" y="2144990"/>
-          <a:ext cx="3051501" cy="3212320"/>
+          <a:off x="5233807" y="2005781"/>
+          <a:ext cx="3051501" cy="3188010"/>
         </p:xfrm>
         <a:graphic>
           <a:graphicData uri="http://schemas.openxmlformats.org/drawingml/2006/table">
             <a:tbl>
               <a:tblPr/>
               <a:tblGrid>
-                <a:gridCol w="1633197">
+                <a:gridCol w="1666865">
                   <a:extLst>
                     <a:ext uri="{9D8B030D-6E8A-4147-A177-3AD203B41FA5}">
                       <a16:colId xmlns:a16="http://schemas.microsoft.com/office/drawing/2014/main" val="1581815364"/>
                     </a:ext>
                   </a:extLst>
                 </a:gridCol>
-                <a:gridCol w="1418304">
+                <a:gridCol w="1384636">
                   <a:extLst>
                     <a:ext uri="{9D8B030D-6E8A-4147-A177-3AD203B41FA5}">
                       <a16:colId xmlns:a16="http://schemas.microsoft.com/office/drawing/2014/main" val="2653800214"/>
@@ -41330,7 +41658,7 @@
                   </a:extLst>
                 </a:gridCol>
               </a:tblGrid>
-              <a:tr h="642464">
+              <a:tr h="637602">
                 <a:tc>
                   <a:txBody>
                     <a:bodyPr/>
@@ -41413,7 +41741,7 @@
                   </a:ext>
                 </a:extLst>
               </a:tr>
-              <a:tr h="642464">
+              <a:tr h="637602">
                 <a:tc>
                   <a:txBody>
                     <a:bodyPr/>
@@ -41500,7 +41828,7 @@
                   </a:ext>
                 </a:extLst>
               </a:tr>
-              <a:tr h="642464">
+              <a:tr h="637602">
                 <a:tc>
                   <a:txBody>
                     <a:bodyPr/>
@@ -41587,7 +41915,7 @@
                   </a:ext>
                 </a:extLst>
               </a:tr>
-              <a:tr h="642464">
+              <a:tr h="637602">
                 <a:tc>
                   <a:txBody>
                     <a:bodyPr/>
@@ -41674,7 +42002,7 @@
                   </a:ext>
                 </a:extLst>
               </a:tr>
-              <a:tr h="642464">
+              <a:tr h="637602">
                 <a:tc>
                   <a:txBody>
                     <a:bodyPr/>
@@ -41765,6 +42093,53 @@
           </a:graphicData>
         </a:graphic>
       </p:graphicFrame>
+      <p:pic>
+        <p:nvPicPr>
+          <p:cNvPr id="3074" name="Picture 2">
+            <a:extLst>
+              <a:ext uri="{FF2B5EF4-FFF2-40B4-BE49-F238E27FC236}">
+                <a16:creationId xmlns:a16="http://schemas.microsoft.com/office/drawing/2014/main" id="{92EB3D9E-1BB1-F9BC-6D6A-5B7A535E691F}"/>
+              </a:ext>
+            </a:extLst>
+          </p:cNvPr>
+          <p:cNvPicPr>
+            <a:picLocks noChangeAspect="1" noChangeArrowheads="1"/>
+          </p:cNvPicPr>
+          <p:nvPr/>
+        </p:nvPicPr>
+        <p:blipFill>
+          <a:blip r:embed="rId2">
+            <a:extLst>
+              <a:ext uri="{28A0092B-C50C-407E-A947-70E740481C1C}">
+                <a14:useLocalDpi xmlns:a14="http://schemas.microsoft.com/office/drawing/2010/main" val="0"/>
+              </a:ext>
+            </a:extLst>
+          </a:blip>
+          <a:srcRect/>
+          <a:stretch>
+            <a:fillRect/>
+          </a:stretch>
+        </p:blipFill>
+        <p:spPr bwMode="auto">
+          <a:xfrm>
+            <a:off x="429298" y="3435886"/>
+            <a:ext cx="4610148" cy="3306289"/>
+          </a:xfrm>
+          <a:prstGeom prst="rect">
+            <a:avLst/>
+          </a:prstGeom>
+          <a:noFill/>
+          <a:extLst>
+            <a:ext uri="{909E8E84-426E-40DD-AFC4-6F175D3DCCD1}">
+              <a14:hiddenFill xmlns:a14="http://schemas.microsoft.com/office/drawing/2010/main">
+                <a:solidFill>
+                  <a:srgbClr val="FFFFFF"/>
+                </a:solidFill>
+              </a14:hiddenFill>
+            </a:ext>
+          </a:extLst>
+        </p:spPr>
+      </p:pic>
     </p:spTree>
     <p:extLst>
       <p:ext uri="{BB962C8B-B14F-4D97-AF65-F5344CB8AC3E}">

--- a/NLPProject3.pptx
+++ b/NLPProject3.pptx
@@ -5,7 +5,7 @@
     <p:sldMasterId id="2147483648" r:id="rId1"/>
   </p:sldMasterIdLst>
   <p:notesMasterIdLst>
-    <p:notesMasterId r:id="rId20"/>
+    <p:notesMasterId r:id="rId19"/>
   </p:notesMasterIdLst>
   <p:sldIdLst>
     <p:sldId id="256" r:id="rId2"/>
@@ -18,14 +18,13 @@
     <p:sldId id="281" r:id="rId9"/>
     <p:sldId id="270" r:id="rId10"/>
     <p:sldId id="289" r:id="rId11"/>
-    <p:sldId id="285" r:id="rId12"/>
-    <p:sldId id="290" r:id="rId13"/>
-    <p:sldId id="271" r:id="rId14"/>
-    <p:sldId id="291" r:id="rId15"/>
-    <p:sldId id="293" r:id="rId16"/>
-    <p:sldId id="292" r:id="rId17"/>
-    <p:sldId id="287" r:id="rId18"/>
-    <p:sldId id="286" r:id="rId19"/>
+    <p:sldId id="290" r:id="rId12"/>
+    <p:sldId id="271" r:id="rId13"/>
+    <p:sldId id="291" r:id="rId14"/>
+    <p:sldId id="293" r:id="rId15"/>
+    <p:sldId id="292" r:id="rId16"/>
+    <p:sldId id="287" r:id="rId17"/>
+    <p:sldId id="286" r:id="rId18"/>
   </p:sldIdLst>
   <p:sldSz cx="9144000" cy="6858000" type="screen4x3"/>
   <p:notesSz cx="6858000" cy="9144000"/>
@@ -28442,988 +28441,6 @@
       </p:grpSpPr>
       <p:sp useBgFill="1">
         <p:nvSpPr>
-          <p:cNvPr id="15" name="Rectangle 14">
-            <a:extLst>
-              <a:ext uri="{FF2B5EF4-FFF2-40B4-BE49-F238E27FC236}">
-                <a16:creationId xmlns:a16="http://schemas.microsoft.com/office/drawing/2014/main" id="{A8384FB5-9ADC-4DDC-881B-597D56F5B15D}"/>
-              </a:ext>
-              <a:ext uri="{C183D7F6-B498-43B3-948B-1728B52AA6E4}">
-                <adec:decorative xmlns:adec="http://schemas.microsoft.com/office/drawing/2017/decorative" val="1"/>
-              </a:ext>
-            </a:extLst>
-          </p:cNvPr>
-          <p:cNvSpPr>
-            <a:spLocks noGrp="1" noRot="1" noChangeAspect="1" noMove="1" noResize="1" noEditPoints="1" noAdjustHandles="1" noChangeArrowheads="1" noChangeShapeType="1" noTextEdit="1"/>
-          </p:cNvSpPr>
-          <p:nvPr>
-            <p:extLst>
-              <p:ext uri="{386F3935-93C4-4BCD-93E2-E3B085C9AB24}">
-                <p16:designElem xmlns:p16="http://schemas.microsoft.com/office/powerpoint/2015/main" val="1"/>
-              </p:ext>
-            </p:extLst>
-          </p:nvPr>
-        </p:nvSpPr>
-        <p:spPr>
-          <a:xfrm>
-            <a:off x="0" y="0"/>
-            <a:ext cx="9144000" cy="6858000"/>
-          </a:xfrm>
-          <a:prstGeom prst="rect">
-            <a:avLst/>
-          </a:prstGeom>
-          <a:ln w="12700" cap="flat" cmpd="sng" algn="ctr">
-            <a:noFill/>
-            <a:prstDash val="solid"/>
-            <a:miter lim="800000"/>
-          </a:ln>
-          <a:effectLst/>
-          <a:extLst>
-            <a:ext uri="{91240B29-F687-4F45-9708-019B960494DF}">
-              <a14:hiddenLine xmlns:a14="http://schemas.microsoft.com/office/drawing/2010/main" w="12700" cap="flat" cmpd="sng" algn="ctr">
-                <a:solidFill>
-                  <a:schemeClr val="accent1">
-                    <a:shade val="50000"/>
-                  </a:schemeClr>
-                </a:solidFill>
-                <a:prstDash val="solid"/>
-                <a:miter lim="800000"/>
-              </a14:hiddenLine>
-            </a:ext>
-          </a:extLst>
-        </p:spPr>
-        <p:style>
-          <a:lnRef idx="2">
-            <a:schemeClr val="accent1">
-              <a:shade val="50000"/>
-            </a:schemeClr>
-          </a:lnRef>
-          <a:fillRef idx="1">
-            <a:schemeClr val="accent1"/>
-          </a:fillRef>
-          <a:effectRef idx="0">
-            <a:schemeClr val="accent1"/>
-          </a:effectRef>
-          <a:fontRef idx="minor">
-            <a:schemeClr val="lt1"/>
-          </a:fontRef>
-        </p:style>
-        <p:txBody>
-          <a:bodyPr rtlCol="0" anchor="ctr"/>
-          <a:lstStyle/>
-          <a:p>
-            <a:pPr algn="ctr"/>
-            <a:endParaRPr lang="en-US"/>
-          </a:p>
-        </p:txBody>
-      </p:sp>
-      <p:sp>
-        <p:nvSpPr>
-          <p:cNvPr id="17" name="Rectangle 16">
-            <a:extLst>
-              <a:ext uri="{FF2B5EF4-FFF2-40B4-BE49-F238E27FC236}">
-                <a16:creationId xmlns:a16="http://schemas.microsoft.com/office/drawing/2014/main" id="{91E5A9A7-95C6-4F4F-B00E-C82E07FE62EF}"/>
-              </a:ext>
-              <a:ext uri="{C183D7F6-B498-43B3-948B-1728B52AA6E4}">
-                <adec:decorative xmlns:adec="http://schemas.microsoft.com/office/drawing/2017/decorative" val="1"/>
-              </a:ext>
-            </a:extLst>
-          </p:cNvPr>
-          <p:cNvSpPr>
-            <a:spLocks noGrp="1" noRot="1" noChangeAspect="1" noMove="1" noResize="1" noEditPoints="1" noAdjustHandles="1" noChangeArrowheads="1" noChangeShapeType="1" noTextEdit="1"/>
-          </p:cNvSpPr>
-          <p:nvPr>
-            <p:extLst>
-              <p:ext uri="{386F3935-93C4-4BCD-93E2-E3B085C9AB24}">
-                <p16:designElem xmlns:p16="http://schemas.microsoft.com/office/powerpoint/2015/main" val="1"/>
-              </p:ext>
-            </p:extLst>
-          </p:nvPr>
-        </p:nvSpPr>
-        <p:spPr>
-          <a:xfrm rot="5400000" flipH="1">
-            <a:off x="-1922632" y="1922631"/>
-            <a:ext cx="6875818" cy="3030558"/>
-          </a:xfrm>
-          <a:prstGeom prst="rect">
-            <a:avLst/>
-          </a:prstGeom>
-          <a:gradFill>
-            <a:gsLst>
-              <a:gs pos="0">
-                <a:srgbClr val="000000"/>
-              </a:gs>
-              <a:gs pos="100000">
-                <a:schemeClr val="accent1">
-                  <a:lumMod val="75000"/>
-                </a:schemeClr>
-              </a:gs>
-            </a:gsLst>
-            <a:lin ang="18600000" scaled="0"/>
-          </a:gradFill>
-          <a:ln>
-            <a:noFill/>
-          </a:ln>
-        </p:spPr>
-        <p:style>
-          <a:lnRef idx="2">
-            <a:schemeClr val="accent1">
-              <a:shade val="50000"/>
-            </a:schemeClr>
-          </a:lnRef>
-          <a:fillRef idx="1">
-            <a:schemeClr val="accent1"/>
-          </a:fillRef>
-          <a:effectRef idx="0">
-            <a:schemeClr val="accent1"/>
-          </a:effectRef>
-          <a:fontRef idx="minor">
-            <a:schemeClr val="lt1"/>
-          </a:fontRef>
-        </p:style>
-        <p:txBody>
-          <a:bodyPr rtlCol="0" anchor="ctr"/>
-          <a:lstStyle/>
-          <a:p>
-            <a:pPr algn="ctr"/>
-            <a:endParaRPr lang="en-US" dirty="0"/>
-          </a:p>
-        </p:txBody>
-      </p:sp>
-      <p:sp>
-        <p:nvSpPr>
-          <p:cNvPr id="19" name="Rectangle 18">
-            <a:extLst>
-              <a:ext uri="{FF2B5EF4-FFF2-40B4-BE49-F238E27FC236}">
-                <a16:creationId xmlns:a16="http://schemas.microsoft.com/office/drawing/2014/main" id="{D07DD2DE-F619-49DD-B5E7-03A290FF4ED1}"/>
-              </a:ext>
-              <a:ext uri="{C183D7F6-B498-43B3-948B-1728B52AA6E4}">
-                <adec:decorative xmlns:adec="http://schemas.microsoft.com/office/drawing/2017/decorative" val="1"/>
-              </a:ext>
-            </a:extLst>
-          </p:cNvPr>
-          <p:cNvSpPr>
-            <a:spLocks noGrp="1" noRot="1" noChangeAspect="1" noMove="1" noResize="1" noEditPoints="1" noAdjustHandles="1" noChangeArrowheads="1" noChangeShapeType="1" noTextEdit="1"/>
-          </p:cNvSpPr>
-          <p:nvPr>
-            <p:extLst>
-              <p:ext uri="{386F3935-93C4-4BCD-93E2-E3B085C9AB24}">
-                <p16:designElem xmlns:p16="http://schemas.microsoft.com/office/powerpoint/2015/main" val="1"/>
-              </p:ext>
-            </p:extLst>
-          </p:nvPr>
-        </p:nvSpPr>
-        <p:spPr>
-          <a:xfrm rot="16200000">
-            <a:off x="-663321" y="3165298"/>
-            <a:ext cx="4355594" cy="3028952"/>
-          </a:xfrm>
-          <a:prstGeom prst="rect">
-            <a:avLst/>
-          </a:prstGeom>
-          <a:gradFill>
-            <a:gsLst>
-              <a:gs pos="0">
-                <a:schemeClr val="accent1">
-                  <a:alpha val="50000"/>
-                </a:schemeClr>
-              </a:gs>
-              <a:gs pos="100000">
-                <a:schemeClr val="accent1">
-                  <a:lumMod val="50000"/>
-                  <a:alpha val="0"/>
-                </a:schemeClr>
-              </a:gs>
-            </a:gsLst>
-            <a:lin ang="11400000" scaled="0"/>
-          </a:gradFill>
-          <a:ln>
-            <a:noFill/>
-          </a:ln>
-        </p:spPr>
-        <p:style>
-          <a:lnRef idx="2">
-            <a:schemeClr val="accent1">
-              <a:shade val="50000"/>
-            </a:schemeClr>
-          </a:lnRef>
-          <a:fillRef idx="1">
-            <a:schemeClr val="accent1"/>
-          </a:fillRef>
-          <a:effectRef idx="0">
-            <a:schemeClr val="accent1"/>
-          </a:effectRef>
-          <a:fontRef idx="minor">
-            <a:schemeClr val="lt1"/>
-          </a:fontRef>
-        </p:style>
-        <p:txBody>
-          <a:bodyPr rtlCol="0" anchor="ctr"/>
-          <a:lstStyle/>
-          <a:p>
-            <a:pPr algn="ctr"/>
-            <a:endParaRPr lang="en-US"/>
-          </a:p>
-        </p:txBody>
-      </p:sp>
-      <p:sp>
-        <p:nvSpPr>
-          <p:cNvPr id="21" name="Rectangle 20">
-            <a:extLst>
-              <a:ext uri="{FF2B5EF4-FFF2-40B4-BE49-F238E27FC236}">
-                <a16:creationId xmlns:a16="http://schemas.microsoft.com/office/drawing/2014/main" id="{85149191-5F60-4A28-AAFF-039F96B0F3EC}"/>
-              </a:ext>
-              <a:ext uri="{C183D7F6-B498-43B3-948B-1728B52AA6E4}">
-                <adec:decorative xmlns:adec="http://schemas.microsoft.com/office/drawing/2017/decorative" val="1"/>
-              </a:ext>
-            </a:extLst>
-          </p:cNvPr>
-          <p:cNvSpPr>
-            <a:spLocks noGrp="1" noRot="1" noChangeAspect="1" noMove="1" noResize="1" noEditPoints="1" noAdjustHandles="1" noChangeArrowheads="1" noChangeShapeType="1" noTextEdit="1"/>
-          </p:cNvSpPr>
-          <p:nvPr>
-            <p:extLst>
-              <p:ext uri="{386F3935-93C4-4BCD-93E2-E3B085C9AB24}">
-                <p16:designElem xmlns:p16="http://schemas.microsoft.com/office/powerpoint/2015/main" val="1"/>
-              </p:ext>
-            </p:extLst>
-          </p:nvPr>
-        </p:nvSpPr>
-        <p:spPr>
-          <a:xfrm rot="16200000" flipH="1">
-            <a:off x="-1742858" y="2085760"/>
-            <a:ext cx="6857572" cy="2686051"/>
-          </a:xfrm>
-          <a:prstGeom prst="rect">
-            <a:avLst/>
-          </a:prstGeom>
-          <a:gradFill>
-            <a:gsLst>
-              <a:gs pos="0">
-                <a:srgbClr val="000000">
-                  <a:alpha val="59000"/>
-                </a:srgbClr>
-              </a:gs>
-              <a:gs pos="69000">
-                <a:schemeClr val="accent1">
-                  <a:alpha val="0"/>
-                </a:schemeClr>
-              </a:gs>
-            </a:gsLst>
-            <a:lin ang="13200000" scaled="0"/>
-          </a:gradFill>
-          <a:ln>
-            <a:noFill/>
-          </a:ln>
-        </p:spPr>
-        <p:style>
-          <a:lnRef idx="2">
-            <a:schemeClr val="accent1">
-              <a:shade val="50000"/>
-            </a:schemeClr>
-          </a:lnRef>
-          <a:fillRef idx="1">
-            <a:schemeClr val="accent1"/>
-          </a:fillRef>
-          <a:effectRef idx="0">
-            <a:schemeClr val="accent1"/>
-          </a:effectRef>
-          <a:fontRef idx="minor">
-            <a:schemeClr val="lt1"/>
-          </a:fontRef>
-        </p:style>
-        <p:txBody>
-          <a:bodyPr rtlCol="0" anchor="ctr"/>
-          <a:lstStyle/>
-          <a:p>
-            <a:pPr algn="ctr"/>
-            <a:endParaRPr lang="en-US" dirty="0"/>
-          </a:p>
-        </p:txBody>
-      </p:sp>
-      <p:sp>
-        <p:nvSpPr>
-          <p:cNvPr id="23" name="Freeform: Shape 22">
-            <a:extLst>
-              <a:ext uri="{FF2B5EF4-FFF2-40B4-BE49-F238E27FC236}">
-                <a16:creationId xmlns:a16="http://schemas.microsoft.com/office/drawing/2014/main" id="{F8260ED5-17F7-4158-B241-D51DD4CF1B7E}"/>
-              </a:ext>
-              <a:ext uri="{C183D7F6-B498-43B3-948B-1728B52AA6E4}">
-                <adec:decorative xmlns:adec="http://schemas.microsoft.com/office/drawing/2017/decorative" val="1"/>
-              </a:ext>
-            </a:extLst>
-          </p:cNvPr>
-          <p:cNvSpPr>
-            <a:spLocks noGrp="1" noRot="1" noChangeAspect="1" noMove="1" noResize="1" noEditPoints="1" noAdjustHandles="1" noChangeArrowheads="1" noChangeShapeType="1" noTextEdit="1"/>
-          </p:cNvSpPr>
-          <p:nvPr>
-            <p:extLst>
-              <p:ext uri="{386F3935-93C4-4BCD-93E2-E3B085C9AB24}">
-                <p16:designElem xmlns:p16="http://schemas.microsoft.com/office/powerpoint/2015/main" val="1"/>
-              </p:ext>
-            </p:extLst>
-          </p:nvPr>
-        </p:nvSpPr>
-        <p:spPr>
-          <a:xfrm rot="6097846">
-            <a:off x="-1161554" y="1712395"/>
-            <a:ext cx="4808302" cy="3066500"/>
-          </a:xfrm>
-          <a:custGeom>
-            <a:avLst/>
-            <a:gdLst>
-              <a:gd name="connsiteX0" fmla="*/ 48844 w 4808302"/>
-              <a:gd name="connsiteY0" fmla="*/ 2888671 h 4088666"/>
-              <a:gd name="connsiteX1" fmla="*/ 0 w 4808302"/>
-              <a:gd name="connsiteY1" fmla="*/ 2404151 h 4088666"/>
-              <a:gd name="connsiteX2" fmla="*/ 2404151 w 4808302"/>
-              <a:gd name="connsiteY2" fmla="*/ 0 h 4088666"/>
-              <a:gd name="connsiteX3" fmla="*/ 4808302 w 4808302"/>
-              <a:gd name="connsiteY3" fmla="*/ 2404151 h 4088666"/>
-              <a:gd name="connsiteX4" fmla="*/ 4700216 w 4808302"/>
-              <a:gd name="connsiteY4" fmla="*/ 3119072 h 4088666"/>
-              <a:gd name="connsiteX5" fmla="*/ 4643143 w 4808302"/>
-              <a:gd name="connsiteY5" fmla="*/ 3275009 h 4088666"/>
-              <a:gd name="connsiteX6" fmla="*/ 690093 w 4808302"/>
-              <a:gd name="connsiteY6" fmla="*/ 4088666 h 4088666"/>
-              <a:gd name="connsiteX7" fmla="*/ 548991 w 4808302"/>
-              <a:gd name="connsiteY7" fmla="*/ 3933414 h 4088666"/>
-              <a:gd name="connsiteX8" fmla="*/ 48844 w 4808302"/>
-              <a:gd name="connsiteY8" fmla="*/ 2888671 h 4088666"/>
-            </a:gdLst>
-            <a:ahLst/>
-            <a:cxnLst>
-              <a:cxn ang="0">
-                <a:pos x="connsiteX0" y="connsiteY0"/>
-              </a:cxn>
-              <a:cxn ang="0">
-                <a:pos x="connsiteX1" y="connsiteY1"/>
-              </a:cxn>
-              <a:cxn ang="0">
-                <a:pos x="connsiteX2" y="connsiteY2"/>
-              </a:cxn>
-              <a:cxn ang="0">
-                <a:pos x="connsiteX3" y="connsiteY3"/>
-              </a:cxn>
-              <a:cxn ang="0">
-                <a:pos x="connsiteX4" y="connsiteY4"/>
-              </a:cxn>
-              <a:cxn ang="0">
-                <a:pos x="connsiteX5" y="connsiteY5"/>
-              </a:cxn>
-              <a:cxn ang="0">
-                <a:pos x="connsiteX6" y="connsiteY6"/>
-              </a:cxn>
-              <a:cxn ang="0">
-                <a:pos x="connsiteX7" y="connsiteY7"/>
-              </a:cxn>
-              <a:cxn ang="0">
-                <a:pos x="connsiteX8" y="connsiteY8"/>
-              </a:cxn>
-            </a:cxnLst>
-            <a:rect l="l" t="t" r="r" b="b"/>
-            <a:pathLst>
-              <a:path w="4808302" h="4088666">
-                <a:moveTo>
-                  <a:pt x="48844" y="2888671"/>
-                </a:moveTo>
-                <a:cubicBezTo>
-                  <a:pt x="16818" y="2732167"/>
-                  <a:pt x="0" y="2570123"/>
-                  <a:pt x="0" y="2404151"/>
-                </a:cubicBezTo>
-                <a:cubicBezTo>
-                  <a:pt x="0" y="1076375"/>
-                  <a:pt x="1076375" y="0"/>
-                  <a:pt x="2404151" y="0"/>
-                </a:cubicBezTo>
-                <a:cubicBezTo>
-                  <a:pt x="3731927" y="0"/>
-                  <a:pt x="4808302" y="1076375"/>
-                  <a:pt x="4808302" y="2404151"/>
-                </a:cubicBezTo>
-                <a:cubicBezTo>
-                  <a:pt x="4808302" y="2653109"/>
-                  <a:pt x="4770461" y="2893229"/>
-                  <a:pt x="4700216" y="3119072"/>
-                </a:cubicBezTo>
-                <a:lnTo>
-                  <a:pt x="4643143" y="3275009"/>
-                </a:lnTo>
-                <a:lnTo>
-                  <a:pt x="690093" y="4088666"/>
-                </a:lnTo>
-                <a:lnTo>
-                  <a:pt x="548991" y="3933414"/>
-                </a:lnTo>
-                <a:cubicBezTo>
-                  <a:pt x="304015" y="3636572"/>
-                  <a:pt x="128908" y="3279932"/>
-                  <a:pt x="48844" y="2888671"/>
-                </a:cubicBezTo>
-                <a:close/>
-              </a:path>
-            </a:pathLst>
-          </a:custGeom>
-          <a:gradFill>
-            <a:gsLst>
-              <a:gs pos="39000">
-                <a:schemeClr val="accent1">
-                  <a:lumMod val="60000"/>
-                  <a:lumOff val="40000"/>
-                  <a:alpha val="0"/>
-                </a:schemeClr>
-              </a:gs>
-              <a:gs pos="100000">
-                <a:schemeClr val="accent1">
-                  <a:lumMod val="75000"/>
-                  <a:alpha val="26000"/>
-                </a:schemeClr>
-              </a:gs>
-            </a:gsLst>
-            <a:lin ang="18600000" scaled="0"/>
-          </a:gradFill>
-          <a:ln>
-            <a:noFill/>
-          </a:ln>
-        </p:spPr>
-        <p:style>
-          <a:lnRef idx="2">
-            <a:schemeClr val="accent1">
-              <a:shade val="50000"/>
-            </a:schemeClr>
-          </a:lnRef>
-          <a:fillRef idx="1">
-            <a:schemeClr val="accent1"/>
-          </a:fillRef>
-          <a:effectRef idx="0">
-            <a:schemeClr val="accent1"/>
-          </a:effectRef>
-          <a:fontRef idx="minor">
-            <a:schemeClr val="lt1"/>
-          </a:fontRef>
-        </p:style>
-        <p:txBody>
-          <a:bodyPr wrap="square" rtlCol="0" anchor="ctr">
-            <a:noAutofit/>
-          </a:bodyPr>
-          <a:lstStyle/>
-          <a:p>
-            <a:pPr algn="ctr"/>
-            <a:endParaRPr lang="en-US" dirty="0"/>
-          </a:p>
-        </p:txBody>
-      </p:sp>
-      <p:sp>
-        <p:nvSpPr>
-          <p:cNvPr id="2" name="Title 1">
-            <a:extLst>
-              <a:ext uri="{FF2B5EF4-FFF2-40B4-BE49-F238E27FC236}">
-                <a16:creationId xmlns:a16="http://schemas.microsoft.com/office/drawing/2014/main" id="{C1F9395C-562B-6F36-7E06-D42AA54DE40E}"/>
-              </a:ext>
-            </a:extLst>
-          </p:cNvPr>
-          <p:cNvSpPr>
-            <a:spLocks noGrp="1"/>
-          </p:cNvSpPr>
-          <p:nvPr>
-            <p:ph type="title"/>
-          </p:nvPr>
-        </p:nvSpPr>
-        <p:spPr>
-          <a:xfrm>
-            <a:off x="495030" y="2767106"/>
-            <a:ext cx="2160621" cy="3071906"/>
-          </a:xfrm>
-        </p:spPr>
-        <p:txBody>
-          <a:bodyPr vert="horz" lIns="91440" tIns="45720" rIns="91440" bIns="45720" rtlCol="0" anchor="t">
-            <a:normAutofit/>
-          </a:bodyPr>
-          <a:lstStyle/>
-          <a:p>
-            <a:pPr algn="l" defTabSz="914400">
-              <a:lnSpc>
-                <a:spcPct val="90000"/>
-              </a:lnSpc>
-            </a:pPr>
-            <a:r>
-              <a:rPr lang="en-US" sz="3200" kern="1200">
-                <a:solidFill>
-                  <a:srgbClr val="FFFFFF"/>
-                </a:solidFill>
-                <a:latin typeface="+mj-lt"/>
-                <a:ea typeface="+mj-ea"/>
-                <a:cs typeface="+mj-cs"/>
-              </a:rPr>
-              <a:t>Cluster Summaries</a:t>
-            </a:r>
-          </a:p>
-        </p:txBody>
-      </p:sp>
-      <p:sp>
-        <p:nvSpPr>
-          <p:cNvPr id="10" name="TextBox 9">
-            <a:extLst>
-              <a:ext uri="{FF2B5EF4-FFF2-40B4-BE49-F238E27FC236}">
-                <a16:creationId xmlns:a16="http://schemas.microsoft.com/office/drawing/2014/main" id="{F4F9DF2A-70B5-3ABA-F494-FA00CF964235}"/>
-              </a:ext>
-            </a:extLst>
-          </p:cNvPr>
-          <p:cNvSpPr txBox="1"/>
-          <p:nvPr/>
-        </p:nvSpPr>
-        <p:spPr>
-          <a:xfrm>
-            <a:off x="495031" y="3604417"/>
-            <a:ext cx="2189804" cy="482293"/>
-          </a:xfrm>
-          <a:prstGeom prst="rect">
-            <a:avLst/>
-          </a:prstGeom>
-        </p:spPr>
-        <p:txBody>
-          <a:bodyPr vert="horz" lIns="91440" tIns="45720" rIns="91440" bIns="45720" rtlCol="0" anchor="b">
-            <a:normAutofit fontScale="85000" lnSpcReduction="10000"/>
-          </a:bodyPr>
-          <a:lstStyle/>
-          <a:p>
-            <a:pPr defTabSz="914400">
-              <a:lnSpc>
-                <a:spcPct val="90000"/>
-              </a:lnSpc>
-              <a:spcBef>
-                <a:spcPts val="1000"/>
-              </a:spcBef>
-            </a:pPr>
-            <a:r>
-              <a:rPr lang="en-US" sz="1700" kern="1200" dirty="0">
-                <a:solidFill>
-                  <a:srgbClr val="FFFFFF"/>
-                </a:solidFill>
-                <a:latin typeface="+mn-lt"/>
-                <a:ea typeface="+mn-ea"/>
-                <a:cs typeface="+mn-cs"/>
-              </a:rPr>
-              <a:t>Generated Summaries for Each Cluster Using </a:t>
-            </a:r>
-            <a:r>
-              <a:rPr lang="en-US" sz="1700" kern="1200" dirty="0" err="1">
-                <a:solidFill>
-                  <a:srgbClr val="FFFFFF"/>
-                </a:solidFill>
-                <a:latin typeface="+mn-lt"/>
-                <a:ea typeface="+mn-ea"/>
-                <a:cs typeface="+mn-cs"/>
-              </a:rPr>
-              <a:t>Kmean</a:t>
-            </a:r>
-            <a:r>
-              <a:rPr lang="en-US" sz="1700" kern="1200" dirty="0">
-                <a:solidFill>
-                  <a:srgbClr val="FFFFFF"/>
-                </a:solidFill>
-                <a:latin typeface="+mn-lt"/>
-                <a:ea typeface="+mn-ea"/>
-                <a:cs typeface="+mn-cs"/>
-              </a:rPr>
-              <a:t>:</a:t>
-            </a:r>
-          </a:p>
-        </p:txBody>
-      </p:sp>
-      <p:graphicFrame>
-        <p:nvGraphicFramePr>
-          <p:cNvPr id="8" name="Content Placeholder 7">
-            <a:extLst>
-              <a:ext uri="{FF2B5EF4-FFF2-40B4-BE49-F238E27FC236}">
-                <a16:creationId xmlns:a16="http://schemas.microsoft.com/office/drawing/2014/main" id="{2C9DD4C4-D58F-BFB7-72D5-AB05DB2035C1}"/>
-              </a:ext>
-            </a:extLst>
-          </p:cNvPr>
-          <p:cNvGraphicFramePr>
-            <a:graphicFrameLocks noGrp="1"/>
-          </p:cNvGraphicFramePr>
-          <p:nvPr>
-            <p:ph idx="1"/>
-            <p:extLst>
-              <p:ext uri="{D42A27DB-BD31-4B8C-83A1-F6EECF244321}">
-                <p14:modId xmlns:p14="http://schemas.microsoft.com/office/powerpoint/2010/main" val="3061931960"/>
-              </p:ext>
-            </p:extLst>
-          </p:nvPr>
-        </p:nvGraphicFramePr>
-        <p:xfrm>
-          <a:off x="3376821" y="1301698"/>
-          <a:ext cx="5419311" cy="4254608"/>
-        </p:xfrm>
-        <a:graphic>
-          <a:graphicData uri="http://schemas.openxmlformats.org/drawingml/2006/table">
-            <a:tbl>
-              <a:tblPr/>
-              <a:tblGrid>
-                <a:gridCol w="1754626">
-                  <a:extLst>
-                    <a:ext uri="{9D8B030D-6E8A-4147-A177-3AD203B41FA5}">
-                      <a16:colId xmlns:a16="http://schemas.microsoft.com/office/drawing/2014/main" val="1975632356"/>
-                    </a:ext>
-                  </a:extLst>
-                </a:gridCol>
-                <a:gridCol w="3664685">
-                  <a:extLst>
-                    <a:ext uri="{9D8B030D-6E8A-4147-A177-3AD203B41FA5}">
-                      <a16:colId xmlns:a16="http://schemas.microsoft.com/office/drawing/2014/main" val="2698280341"/>
-                    </a:ext>
-                  </a:extLst>
-                </a:gridCol>
-              </a:tblGrid>
-              <a:tr h="574242">
-                <a:tc>
-                  <a:txBody>
-                    <a:bodyPr/>
-                    <a:lstStyle/>
-                    <a:p>
-                      <a:r>
-                        <a:rPr lang="en-GB" sz="2600" b="1">
-                          <a:solidFill>
-                            <a:schemeClr val="tx1"/>
-                          </a:solidFill>
-                        </a:rPr>
-                        <a:t>Cluster</a:t>
-                      </a:r>
-                    </a:p>
-                  </a:txBody>
-                  <a:tcPr marL="130509" marR="130509" marT="65255" marB="65255" anchor="ctr">
-                    <a:lnL>
-                      <a:noFill/>
-                    </a:lnL>
-                    <a:lnR>
-                      <a:noFill/>
-                    </a:lnR>
-                    <a:lnT>
-                      <a:noFill/>
-                    </a:lnT>
-                    <a:lnB w="19050">
-                      <a:solidFill>
-                        <a:schemeClr val="accent1"/>
-                      </a:solidFill>
-                    </a:lnB>
-                    <a:noFill/>
-                  </a:tcPr>
-                </a:tc>
-                <a:tc>
-                  <a:txBody>
-                    <a:bodyPr/>
-                    <a:lstStyle/>
-                    <a:p>
-                      <a:r>
-                        <a:rPr lang="en-GB" sz="2600" b="1">
-                          <a:solidFill>
-                            <a:schemeClr val="tx1"/>
-                          </a:solidFill>
-                        </a:rPr>
-                        <a:t>Summary</a:t>
-                      </a:r>
-                    </a:p>
-                  </a:txBody>
-                  <a:tcPr marL="130509" marR="130509" marT="65255" marB="65255" anchor="ctr">
-                    <a:lnL>
-                      <a:noFill/>
-                    </a:lnL>
-                    <a:lnR>
-                      <a:noFill/>
-                    </a:lnR>
-                    <a:lnT>
-                      <a:noFill/>
-                    </a:lnT>
-                    <a:lnB w="19050">
-                      <a:solidFill>
-                        <a:schemeClr val="accent1"/>
-                      </a:solidFill>
-                    </a:lnB>
-                    <a:noFill/>
-                  </a:tcPr>
-                </a:tc>
-                <a:extLst>
-                  <a:ext uri="{0D108BD9-81ED-4DB2-BD59-A6C34878D82A}">
-                    <a16:rowId xmlns:a16="http://schemas.microsoft.com/office/drawing/2014/main" val="3360043686"/>
-                  </a:ext>
-                </a:extLst>
-              </a:tr>
-              <a:tr h="1357298">
-                <a:tc>
-                  <a:txBody>
-                    <a:bodyPr/>
-                    <a:lstStyle/>
-                    <a:p>
-                      <a:r>
-                        <a:rPr lang="en-GB" sz="2600" dirty="0">
-                          <a:solidFill>
-                            <a:schemeClr val="tx1"/>
-                          </a:solidFill>
-                        </a:rPr>
-                        <a:t>Cluster 1</a:t>
-                      </a:r>
-                    </a:p>
-                  </a:txBody>
-                  <a:tcPr marL="130509" marR="130509" marT="65255" marB="65255" anchor="ctr">
-                    <a:lnL>
-                      <a:noFill/>
-                    </a:lnL>
-                    <a:lnR>
-                      <a:noFill/>
-                    </a:lnR>
-                    <a:lnT w="19050">
-                      <a:solidFill>
-                        <a:schemeClr val="accent1"/>
-                      </a:solidFill>
-                    </a:lnT>
-                    <a:lnB w="3175">
-                      <a:solidFill>
-                        <a:schemeClr val="tx1"/>
-                      </a:solidFill>
-                    </a:lnB>
-                    <a:noFill/>
-                  </a:tcPr>
-                </a:tc>
-                <a:tc>
-                  <a:txBody>
-                    <a:bodyPr/>
-                    <a:lstStyle/>
-                    <a:p>
-                      <a:r>
-                        <a:rPr lang="en-GB" sz="2600">
-                          <a:solidFill>
-                            <a:schemeClr val="tx1"/>
-                          </a:solidFill>
-                        </a:rPr>
-                        <a:t>"Most customers love the product's quality and usability."</a:t>
-                      </a:r>
-                    </a:p>
-                  </a:txBody>
-                  <a:tcPr marL="130509" marR="130509" marT="65255" marB="65255" anchor="ctr">
-                    <a:lnL>
-                      <a:noFill/>
-                    </a:lnL>
-                    <a:lnR>
-                      <a:noFill/>
-                    </a:lnR>
-                    <a:lnT w="19050">
-                      <a:solidFill>
-                        <a:schemeClr val="accent1"/>
-                      </a:solidFill>
-                    </a:lnT>
-                    <a:lnB w="3175">
-                      <a:solidFill>
-                        <a:schemeClr val="tx1"/>
-                      </a:solidFill>
-                    </a:lnB>
-                    <a:noFill/>
-                  </a:tcPr>
-                </a:tc>
-                <a:extLst>
-                  <a:ext uri="{0D108BD9-81ED-4DB2-BD59-A6C34878D82A}">
-                    <a16:rowId xmlns:a16="http://schemas.microsoft.com/office/drawing/2014/main" val="818539044"/>
-                  </a:ext>
-                </a:extLst>
-              </a:tr>
-              <a:tr h="965770">
-                <a:tc>
-                  <a:txBody>
-                    <a:bodyPr/>
-                    <a:lstStyle/>
-                    <a:p>
-                      <a:r>
-                        <a:rPr lang="en-GB" sz="2600" dirty="0">
-                          <a:solidFill>
-                            <a:schemeClr val="tx1"/>
-                          </a:solidFill>
-                        </a:rPr>
-                        <a:t>Cluster 2</a:t>
-                      </a:r>
-                    </a:p>
-                  </a:txBody>
-                  <a:tcPr marL="130509" marR="130509" marT="65255" marB="65255" anchor="ctr">
-                    <a:lnL>
-                      <a:noFill/>
-                    </a:lnL>
-                    <a:lnR>
-                      <a:noFill/>
-                    </a:lnR>
-                    <a:lnT w="3175">
-                      <a:solidFill>
-                        <a:schemeClr val="tx1"/>
-                      </a:solidFill>
-                    </a:lnT>
-                    <a:lnB w="3175">
-                      <a:solidFill>
-                        <a:schemeClr val="tx1"/>
-                      </a:solidFill>
-                    </a:lnB>
-                    <a:noFill/>
-                  </a:tcPr>
-                </a:tc>
-                <a:tc>
-                  <a:txBody>
-                    <a:bodyPr/>
-                    <a:lstStyle/>
-                    <a:p>
-                      <a:r>
-                        <a:rPr lang="en-GB" sz="2600">
-                          <a:solidFill>
-                            <a:schemeClr val="tx1"/>
-                          </a:solidFill>
-                        </a:rPr>
-                        <a:t>"Mixed reviews on product performance."</a:t>
-                      </a:r>
-                    </a:p>
-                  </a:txBody>
-                  <a:tcPr marL="130509" marR="130509" marT="65255" marB="65255" anchor="ctr">
-                    <a:lnL>
-                      <a:noFill/>
-                    </a:lnL>
-                    <a:lnR>
-                      <a:noFill/>
-                    </a:lnR>
-                    <a:lnT w="3175">
-                      <a:solidFill>
-                        <a:schemeClr val="tx1"/>
-                      </a:solidFill>
-                    </a:lnT>
-                    <a:lnB w="3175">
-                      <a:solidFill>
-                        <a:schemeClr val="tx1"/>
-                      </a:solidFill>
-                    </a:lnB>
-                    <a:noFill/>
-                  </a:tcPr>
-                </a:tc>
-                <a:extLst>
-                  <a:ext uri="{0D108BD9-81ED-4DB2-BD59-A6C34878D82A}">
-                    <a16:rowId xmlns:a16="http://schemas.microsoft.com/office/drawing/2014/main" val="3584728884"/>
-                  </a:ext>
-                </a:extLst>
-              </a:tr>
-              <a:tr h="1357298">
-                <a:tc>
-                  <a:txBody>
-                    <a:bodyPr/>
-                    <a:lstStyle/>
-                    <a:p>
-                      <a:r>
-                        <a:rPr lang="en-GB" sz="2600">
-                          <a:solidFill>
-                            <a:schemeClr val="tx1"/>
-                          </a:solidFill>
-                        </a:rPr>
-                        <a:t>Cluster 3</a:t>
-                      </a:r>
-                    </a:p>
-                  </a:txBody>
-                  <a:tcPr marL="130509" marR="130509" marT="65255" marB="65255" anchor="ctr">
-                    <a:lnL>
-                      <a:noFill/>
-                    </a:lnL>
-                    <a:lnR>
-                      <a:noFill/>
-                    </a:lnR>
-                    <a:lnT w="3175">
-                      <a:solidFill>
-                        <a:schemeClr val="tx1"/>
-                      </a:solidFill>
-                    </a:lnT>
-                    <a:lnB w="12700">
-                      <a:solidFill>
-                        <a:schemeClr val="accent1"/>
-                      </a:solidFill>
-                    </a:lnB>
-                    <a:noFill/>
-                  </a:tcPr>
-                </a:tc>
-                <a:tc>
-                  <a:txBody>
-                    <a:bodyPr/>
-                    <a:lstStyle/>
-                    <a:p>
-                      <a:r>
-                        <a:rPr lang="en-GB" sz="2600" dirty="0">
-                          <a:solidFill>
-                            <a:schemeClr val="tx1"/>
-                          </a:solidFill>
-                        </a:rPr>
-                        <a:t>"Negative feedback regarding product durability."</a:t>
-                      </a:r>
-                    </a:p>
-                  </a:txBody>
-                  <a:tcPr marL="130509" marR="130509" marT="65255" marB="65255" anchor="ctr">
-                    <a:lnL>
-                      <a:noFill/>
-                    </a:lnL>
-                    <a:lnR>
-                      <a:noFill/>
-                    </a:lnR>
-                    <a:lnT w="3175">
-                      <a:solidFill>
-                        <a:schemeClr val="tx1"/>
-                      </a:solidFill>
-                    </a:lnT>
-                    <a:lnB w="12700">
-                      <a:solidFill>
-                        <a:schemeClr val="accent1"/>
-                      </a:solidFill>
-                    </a:lnB>
-                    <a:noFill/>
-                  </a:tcPr>
-                </a:tc>
-                <a:extLst>
-                  <a:ext uri="{0D108BD9-81ED-4DB2-BD59-A6C34878D82A}">
-                    <a16:rowId xmlns:a16="http://schemas.microsoft.com/office/drawing/2014/main" val="1705473483"/>
-                  </a:ext>
-                </a:extLst>
-              </a:tr>
-            </a:tbl>
-          </a:graphicData>
-        </a:graphic>
-      </p:graphicFrame>
-    </p:spTree>
-    <p:extLst>
-      <p:ext uri="{BB962C8B-B14F-4D97-AF65-F5344CB8AC3E}">
-        <p14:creationId xmlns:p14="http://schemas.microsoft.com/office/powerpoint/2010/main" val="837427901"/>
-      </p:ext>
-    </p:extLst>
-  </p:cSld>
-  <p:clrMapOvr>
-    <a:masterClrMapping/>
-  </p:clrMapOvr>
-</p:sld>
-</file>
-
-<file path=ppt/slides/slide12.xml><?xml version="1.0" encoding="utf-8"?>
-<p:sld xmlns:a="http://schemas.openxmlformats.org/drawingml/2006/main" xmlns:r="http://schemas.openxmlformats.org/officeDocument/2006/relationships" xmlns:p="http://schemas.openxmlformats.org/presentationml/2006/main">
-  <p:cSld>
-    <p:bg>
-      <p:bgPr>
-        <a:solidFill>
-          <a:schemeClr val="bg1"/>
-        </a:solidFill>
-        <a:effectLst/>
-      </p:bgPr>
-    </p:bg>
-    <p:spTree>
-      <p:nvGrpSpPr>
-        <p:cNvPr id="1" name=""/>
-        <p:cNvGrpSpPr/>
-        <p:nvPr/>
-      </p:nvGrpSpPr>
-      <p:grpSpPr>
-        <a:xfrm>
-          <a:off x="0" y="0"/>
-          <a:ext cx="0" cy="0"/>
-          <a:chOff x="0" y="0"/>
-          <a:chExt cx="0" cy="0"/>
-        </a:xfrm>
-      </p:grpSpPr>
-      <p:sp useBgFill="1">
-        <p:nvSpPr>
           <p:cNvPr id="10" name="Rectangle 9">
             <a:extLst>
               <a:ext uri="{FF2B5EF4-FFF2-40B4-BE49-F238E27FC236}">
@@ -30032,7 +29049,7 @@
 </p:sld>
 </file>
 
-<file path=ppt/slides/slide13.xml><?xml version="1.0" encoding="utf-8"?>
+<file path=ppt/slides/slide12.xml><?xml version="1.0" encoding="utf-8"?>
 <p:sld xmlns:a="http://schemas.openxmlformats.org/drawingml/2006/main" xmlns:r="http://schemas.openxmlformats.org/officeDocument/2006/relationships" xmlns:p="http://schemas.openxmlformats.org/presentationml/2006/main">
   <p:cSld>
     <p:bg>
@@ -30459,7 +29476,7 @@
 </p:sld>
 </file>
 
-<file path=ppt/slides/slide14.xml><?xml version="1.0" encoding="utf-8"?>
+<file path=ppt/slides/slide13.xml><?xml version="1.0" encoding="utf-8"?>
 <p:sld xmlns:a="http://schemas.openxmlformats.org/drawingml/2006/main" xmlns:r="http://schemas.openxmlformats.org/officeDocument/2006/relationships" xmlns:p="http://schemas.openxmlformats.org/presentationml/2006/main">
   <p:cSld>
     <p:bg>
@@ -31125,38 +30142,6 @@
               <a:buChar char="•"/>
             </a:pPr>
             <a:r>
-              <a:rPr lang="en-GB" sz="1200" i="0" dirty="0">
-                <a:solidFill>
-                  <a:srgbClr val="1F1F1F"/>
-                </a:solidFill>
-                <a:effectLst/>
-                <a:latin typeface="+mj-lt"/>
-              </a:rPr>
-              <a:t>Product: 0841667104676, ROUGE: 6.30%, BLEU: 0.00%</a:t>
-            </a:r>
-          </a:p>
-          <a:p>
-            <a:pPr marL="742950" lvl="1" indent="-285750">
-              <a:buFont typeface="Arial" panose="020B0604020202020204" pitchFamily="34" charset="0"/>
-              <a:buChar char="•"/>
-            </a:pPr>
-            <a:r>
-              <a:rPr lang="en-GB" sz="1200" i="0" dirty="0">
-                <a:solidFill>
-                  <a:srgbClr val="1F1F1F"/>
-                </a:solidFill>
-                <a:effectLst/>
-                <a:latin typeface="+mj-lt"/>
-              </a:rPr>
-              <a:t>Product: 0848719069587", ROUGE: 100.00%, BLEU: 91.22%</a:t>
-            </a:r>
-          </a:p>
-          <a:p>
-            <a:pPr marL="742950" lvl="1" indent="-285750">
-              <a:buFont typeface="Arial" panose="020B0604020202020204" pitchFamily="34" charset="0"/>
-              <a:buChar char="•"/>
-            </a:pPr>
-            <a:r>
               <a:rPr lang="en-GB" sz="1200" dirty="0" err="1">
                 <a:latin typeface="+mj-lt"/>
               </a:rPr>
@@ -31166,12 +30151,91 @@
               <a:rPr lang="en-GB" sz="1200" dirty="0">
                 <a:latin typeface="+mj-lt"/>
               </a:rPr>
-              <a:t> Score:0.37 Inertia:1549.38</a:t>
+              <a:t> Score:0.70 </a:t>
+            </a:r>
+          </a:p>
+          <a:p>
+            <a:pPr marL="742950" lvl="1" indent="-285750">
+              <a:buFont typeface="Arial" panose="020B0604020202020204" pitchFamily="34" charset="0"/>
+              <a:buChar char="•"/>
+            </a:pPr>
+            <a:r>
+              <a:rPr lang="en-GB" sz="1200" dirty="0">
+                <a:latin typeface="+mj-lt"/>
+              </a:rPr>
+              <a:t>Inertia:1917.45</a:t>
             </a:r>
             <a:endParaRPr lang="en-GB" sz="1200" dirty="0">
               <a:solidFill>
                 <a:srgbClr val="1F1F1F"/>
               </a:solidFill>
+              <a:latin typeface="+mj-lt"/>
+            </a:endParaRPr>
+          </a:p>
+          <a:p>
+            <a:pPr marL="457200" lvl="1" indent="0">
+              <a:buNone/>
+            </a:pPr>
+            <a:endParaRPr lang="en-GB" sz="1200" dirty="0">
+              <a:solidFill>
+                <a:srgbClr val="1F1F1F"/>
+              </a:solidFill>
+              <a:latin typeface="+mj-lt"/>
+            </a:endParaRPr>
+          </a:p>
+          <a:p>
+            <a:pPr marL="457200" lvl="1" indent="0">
+              <a:buNone/>
+            </a:pPr>
+            <a:endParaRPr lang="en-GB" sz="1200" dirty="0">
+              <a:latin typeface="+mj-lt"/>
+            </a:endParaRPr>
+          </a:p>
+          <a:p>
+            <a:pPr marL="457200" lvl="1" indent="0">
+              <a:buNone/>
+            </a:pPr>
+            <a:endParaRPr lang="en-GB" sz="1200" dirty="0">
+              <a:latin typeface="+mj-lt"/>
+            </a:endParaRPr>
+          </a:p>
+          <a:p>
+            <a:pPr marL="457200" lvl="1" indent="0">
+              <a:buNone/>
+            </a:pPr>
+            <a:endParaRPr lang="en-GB" sz="1200" dirty="0">
+              <a:latin typeface="+mj-lt"/>
+            </a:endParaRPr>
+          </a:p>
+          <a:p>
+            <a:pPr marL="457200" lvl="1" indent="0">
+              <a:buNone/>
+            </a:pPr>
+            <a:endParaRPr lang="en-GB" sz="1200" dirty="0">
+              <a:latin typeface="+mj-lt"/>
+            </a:endParaRPr>
+          </a:p>
+          <a:p>
+            <a:pPr marL="457200" lvl="1" indent="0">
+              <a:buNone/>
+            </a:pPr>
+            <a:endParaRPr lang="en-GB" sz="1200" dirty="0">
+              <a:latin typeface="+mj-lt"/>
+            </a:endParaRPr>
+          </a:p>
+          <a:p>
+            <a:pPr marL="457200" lvl="1" indent="0">
+              <a:buNone/>
+            </a:pPr>
+            <a:endParaRPr lang="en-GB" sz="1200" dirty="0">
+              <a:latin typeface="+mj-lt"/>
+            </a:endParaRPr>
+          </a:p>
+          <a:p>
+            <a:pPr marL="457200" lvl="1" indent="0">
+              <a:buNone/>
+            </a:pPr>
+            <a:endParaRPr lang="en-GB" sz="1200" dirty="0">
               <a:latin typeface="+mj-lt"/>
             </a:endParaRPr>
           </a:p>
@@ -31202,14 +30266,6 @@
             <a:pPr marL="0" indent="0">
               <a:buNone/>
             </a:pPr>
-            <a:r>
-              <a:rPr lang="en-GB" sz="1200" dirty="0">
-                <a:latin typeface="+mj-lt"/>
-              </a:rPr>
-              <a:t>Key Insight: High scores validate summary quality.</a:t>
-            </a:r>
-          </a:p>
-          <a:p>
             <a:endParaRPr lang="en-GB" sz="1700" dirty="0"/>
           </a:p>
         </p:txBody>
@@ -31285,10 +30341,10 @@
       </p:pic>
       <p:pic>
         <p:nvPicPr>
-          <p:cNvPr id="6" name="Picture 5">
+          <p:cNvPr id="7" name="Picture 6">
             <a:extLst>
               <a:ext uri="{FF2B5EF4-FFF2-40B4-BE49-F238E27FC236}">
-                <a16:creationId xmlns:a16="http://schemas.microsoft.com/office/drawing/2014/main" id="{324877E5-4013-E2B1-0321-9C8FFF701B8D}"/>
+                <a16:creationId xmlns:a16="http://schemas.microsoft.com/office/drawing/2014/main" id="{B4211D1D-206F-9822-50DE-7523480B78E8}"/>
               </a:ext>
             </a:extLst>
           </p:cNvPr>
@@ -31305,38 +30361,8 @@
         </p:blipFill>
         <p:spPr>
           <a:xfrm>
-            <a:off x="5646497" y="1893569"/>
-            <a:ext cx="3173819" cy="952921"/>
-          </a:xfrm>
-          <a:prstGeom prst="rect">
-            <a:avLst/>
-          </a:prstGeom>
-        </p:spPr>
-      </p:pic>
-      <p:pic>
-        <p:nvPicPr>
-          <p:cNvPr id="9" name="Picture 8">
-            <a:extLst>
-              <a:ext uri="{FF2B5EF4-FFF2-40B4-BE49-F238E27FC236}">
-                <a16:creationId xmlns:a16="http://schemas.microsoft.com/office/drawing/2014/main" id="{731936D5-B3CF-BFFC-AE2C-A82E4C6C4EA5}"/>
-              </a:ext>
-            </a:extLst>
-          </p:cNvPr>
-          <p:cNvPicPr>
-            <a:picLocks noChangeAspect="1"/>
-          </p:cNvPicPr>
-          <p:nvPr/>
-        </p:nvPicPr>
-        <p:blipFill>
-          <a:blip r:embed="rId6"/>
-          <a:stretch>
-            <a:fillRect/>
-          </a:stretch>
-        </p:blipFill>
-        <p:spPr>
-          <a:xfrm>
-            <a:off x="5646497" y="2835019"/>
-            <a:ext cx="3320783" cy="849584"/>
+            <a:off x="4702113" y="2493193"/>
+            <a:ext cx="2886095" cy="904758"/>
           </a:xfrm>
           <a:prstGeom prst="rect">
             <a:avLst/>
@@ -31356,7 +30382,7 @@
 </p:sld>
 </file>
 
-<file path=ppt/slides/slide15.xml><?xml version="1.0" encoding="utf-8"?>
+<file path=ppt/slides/slide14.xml><?xml version="1.0" encoding="utf-8"?>
 <p:sld xmlns:a="http://schemas.openxmlformats.org/drawingml/2006/main" xmlns:r="http://schemas.openxmlformats.org/officeDocument/2006/relationships" xmlns:p="http://schemas.openxmlformats.org/presentationml/2006/main">
   <p:cSld>
     <p:bg>
@@ -32025,7 +31051,7 @@
 </p:sld>
 </file>
 
-<file path=ppt/slides/slide16.xml><?xml version="1.0" encoding="utf-8"?>
+<file path=ppt/slides/slide15.xml><?xml version="1.0" encoding="utf-8"?>
 <p:sld xmlns:a="http://schemas.openxmlformats.org/drawingml/2006/main" xmlns:r="http://schemas.openxmlformats.org/officeDocument/2006/relationships" xmlns:p="http://schemas.openxmlformats.org/presentationml/2006/main">
   <p:cSld>
     <p:bg>
@@ -32702,271 +31728,89 @@
           <a:p>
             <a:pPr algn="r"/>
             <a:r>
-              <a:rPr lang="en-GB" sz="3500">
+              <a:rPr lang="en-GB" sz="3500" dirty="0">
                 <a:solidFill>
                   <a:srgbClr val="FFFFFF"/>
                 </a:solidFill>
               </a:rPr>
-              <a:t>Takeaway</a:t>
+              <a:t>Deployment Using </a:t>
             </a:r>
+            <a:r>
+              <a:rPr lang="en-GB" sz="3500" dirty="0" err="1">
+                <a:solidFill>
+                  <a:srgbClr val="FFFFFF"/>
+                </a:solidFill>
+              </a:rPr>
+              <a:t>Gardio</a:t>
+            </a:r>
+            <a:endParaRPr lang="en-GB" sz="3500" dirty="0">
+              <a:solidFill>
+                <a:srgbClr val="FFFFFF"/>
+              </a:solidFill>
+            </a:endParaRPr>
           </a:p>
         </p:txBody>
       </p:sp>
-      <p:sp>
-        <p:nvSpPr>
-          <p:cNvPr id="8" name="Rectangle 1">
+      <p:pic>
+        <p:nvPicPr>
+          <p:cNvPr id="6" name="Picture 5">
             <a:extLst>
               <a:ext uri="{FF2B5EF4-FFF2-40B4-BE49-F238E27FC236}">
-                <a16:creationId xmlns:a16="http://schemas.microsoft.com/office/drawing/2014/main" id="{8278BBF2-5DE8-3DF5-8A22-7F173F904E64}"/>
+                <a16:creationId xmlns:a16="http://schemas.microsoft.com/office/drawing/2014/main" id="{3B012CAB-DF92-1DBE-401B-7DF026B86823}"/>
               </a:ext>
             </a:extLst>
           </p:cNvPr>
-          <p:cNvSpPr>
-            <a:spLocks noGrp="1" noChangeArrowheads="1"/>
-          </p:cNvSpPr>
-          <p:nvPr>
-            <p:ph idx="1"/>
-          </p:nvPr>
-        </p:nvSpPr>
-        <p:spPr bwMode="auto">
+          <p:cNvPicPr>
+            <a:picLocks noChangeAspect="1"/>
+          </p:cNvPicPr>
+          <p:nvPr/>
+        </p:nvPicPr>
+        <p:blipFill>
+          <a:blip r:embed="rId2"/>
+          <a:stretch>
+            <a:fillRect/>
+          </a:stretch>
+        </p:blipFill>
+        <p:spPr>
           <a:xfrm>
-            <a:off x="3607694" y="649480"/>
-            <a:ext cx="4916510" cy="5546047"/>
+            <a:off x="3366296" y="1083606"/>
+            <a:ext cx="5521514" cy="2393993"/>
           </a:xfrm>
           <a:prstGeom prst="rect">
             <a:avLst/>
           </a:prstGeom>
-          <a:extLst>
-            <a:ext uri="{909E8E84-426E-40DD-AFC4-6F175D3DCCD1}">
-              <a14:hiddenFill xmlns:a14="http://schemas.microsoft.com/office/drawing/2010/main">
-                <a:solidFill>
-                  <a:schemeClr val="accent1"/>
-                </a:solidFill>
-              </a14:hiddenFill>
-            </a:ext>
-            <a:ext uri="{91240B29-F687-4F45-9708-019B960494DF}">
-              <a14:hiddenLine xmlns:a14="http://schemas.microsoft.com/office/drawing/2010/main" w="9525">
-                <a:solidFill>
-                  <a:schemeClr val="tx1"/>
-                </a:solidFill>
-                <a:miter lim="800000"/>
-                <a:headEnd/>
-                <a:tailEnd/>
-              </a14:hiddenLine>
-            </a:ext>
-            <a:ext uri="{AF507438-7753-43E0-B8FC-AC1667EBCBE1}">
-              <a14:hiddenEffects xmlns:a14="http://schemas.microsoft.com/office/drawing/2010/main">
-                <a:effectLst>
-                  <a:outerShdw dist="35921" dir="2700000" algn="ctr" rotWithShape="0">
-                    <a:schemeClr val="bg2"/>
-                  </a:outerShdw>
-                </a:effectLst>
-              </a14:hiddenEffects>
-            </a:ext>
-          </a:extLst>
         </p:spPr>
-        <p:txBody>
-          <a:bodyPr vert="horz" lIns="91440" tIns="45720" rIns="91440" bIns="45720" numCol="1" anchor="ctr" anchorCtr="0" compatLnSpc="1">
-            <a:prstTxWarp prst="textNoShape">
-              <a:avLst/>
-            </a:prstTxWarp>
-            <a:normAutofit/>
-          </a:bodyPr>
-          <a:lstStyle/>
-          <a:p>
-            <a:pPr marL="0" marR="0" lvl="0" indent="0" defTabSz="914400" rtl="0" eaLnBrk="0" fontAlgn="base" latinLnBrk="0" hangingPunct="0">
-              <a:spcBef>
-                <a:spcPct val="0"/>
-              </a:spcBef>
-              <a:spcAft>
-                <a:spcPts val="600"/>
-              </a:spcAft>
-              <a:buClrTx/>
-              <a:buSzTx/>
-              <a:buFontTx/>
-              <a:buNone/>
-              <a:tabLst/>
-            </a:pPr>
-            <a:endParaRPr kumimoji="0" lang="en-US" altLang="en-US" sz="1700" b="0" i="0" u="none" strike="noStrike" cap="none" normalizeH="0" baseline="0">
-              <a:ln>
-                <a:noFill/>
-              </a:ln>
-              <a:effectLst/>
-              <a:latin typeface="Arial" panose="020B0604020202020204" pitchFamily="34" charset="0"/>
-            </a:endParaRPr>
-          </a:p>
-          <a:p>
-            <a:pPr marL="0" marR="0" lvl="0" indent="0" defTabSz="914400" rtl="0" eaLnBrk="0" fontAlgn="base" latinLnBrk="0" hangingPunct="0">
-              <a:spcBef>
-                <a:spcPct val="0"/>
-              </a:spcBef>
-              <a:spcAft>
-                <a:spcPts val="600"/>
-              </a:spcAft>
-              <a:buClrTx/>
-              <a:buSzTx/>
-              <a:buNone/>
-              <a:tabLst/>
-            </a:pPr>
-            <a:r>
-              <a:rPr kumimoji="0" lang="en-US" altLang="en-US" sz="1700" b="0" i="0" u="none" strike="noStrike" cap="none" normalizeH="0" baseline="0">
-                <a:ln>
-                  <a:noFill/>
-                </a:ln>
-                <a:effectLst/>
-                <a:latin typeface="Arial" panose="020B0604020202020204" pitchFamily="34" charset="0"/>
-              </a:rPr>
-              <a:t>Final product:</a:t>
-            </a:r>
-          </a:p>
-          <a:p>
-            <a:pPr marL="0" marR="0" lvl="0" indent="0" defTabSz="914400" rtl="0" eaLnBrk="0" fontAlgn="base" latinLnBrk="0" hangingPunct="0">
-              <a:spcBef>
-                <a:spcPct val="0"/>
-              </a:spcBef>
-              <a:spcAft>
-                <a:spcPts val="600"/>
-              </a:spcAft>
-              <a:buClrTx/>
-              <a:buSzTx/>
-              <a:buFontTx/>
-              <a:buChar char="•"/>
-              <a:tabLst/>
-            </a:pPr>
-            <a:r>
-              <a:rPr kumimoji="0" lang="en-US" altLang="en-US" sz="1700" b="0" i="0" u="none" strike="noStrike" cap="none" normalizeH="0" baseline="0">
-                <a:ln>
-                  <a:noFill/>
-                </a:ln>
-                <a:effectLst/>
-                <a:latin typeface="Arial" panose="020B0604020202020204" pitchFamily="34" charset="0"/>
-              </a:rPr>
-              <a:t>Sentiment analysis for customer insights.</a:t>
-            </a:r>
-          </a:p>
-          <a:p>
-            <a:pPr marL="0" marR="0" lvl="0" indent="0" defTabSz="914400" rtl="0" eaLnBrk="0" fontAlgn="base" latinLnBrk="0" hangingPunct="0">
-              <a:spcBef>
-                <a:spcPct val="0"/>
-              </a:spcBef>
-              <a:spcAft>
-                <a:spcPts val="600"/>
-              </a:spcAft>
-              <a:buClrTx/>
-              <a:buSzTx/>
-              <a:buFontTx/>
-              <a:buChar char="•"/>
-              <a:tabLst/>
-            </a:pPr>
-            <a:r>
-              <a:rPr kumimoji="0" lang="en-US" altLang="en-US" sz="1700" b="0" i="0" u="none" strike="noStrike" cap="none" normalizeH="0" baseline="0">
-                <a:ln>
-                  <a:noFill/>
-                </a:ln>
-                <a:effectLst/>
-                <a:latin typeface="Arial" panose="020B0604020202020204" pitchFamily="34" charset="0"/>
-              </a:rPr>
-              <a:t>Clustering for product grouping.</a:t>
-            </a:r>
-          </a:p>
-          <a:p>
-            <a:pPr marL="0" marR="0" lvl="0" indent="0" defTabSz="914400" rtl="0" eaLnBrk="0" fontAlgn="base" latinLnBrk="0" hangingPunct="0">
-              <a:spcBef>
-                <a:spcPct val="0"/>
-              </a:spcBef>
-              <a:spcAft>
-                <a:spcPts val="600"/>
-              </a:spcAft>
-              <a:buClrTx/>
-              <a:buSzTx/>
-              <a:buFontTx/>
-              <a:buChar char="•"/>
-              <a:tabLst/>
-            </a:pPr>
-            <a:r>
-              <a:rPr kumimoji="0" lang="en-US" altLang="en-US" sz="1700" b="0" i="0" u="none" strike="noStrike" cap="none" normalizeH="0" baseline="0">
-                <a:ln>
-                  <a:noFill/>
-                </a:ln>
-                <a:effectLst/>
-                <a:latin typeface="Arial" panose="020B0604020202020204" pitchFamily="34" charset="0"/>
-              </a:rPr>
-              <a:t>Summarization for actionable reviews.</a:t>
-            </a:r>
-          </a:p>
-          <a:p>
-            <a:pPr marL="0" marR="0" lvl="0" indent="0" defTabSz="914400" rtl="0" eaLnBrk="0" fontAlgn="base" latinLnBrk="0" hangingPunct="0">
-              <a:spcBef>
-                <a:spcPct val="0"/>
-              </a:spcBef>
-              <a:spcAft>
-                <a:spcPts val="600"/>
-              </a:spcAft>
-              <a:buClrTx/>
-              <a:buSzTx/>
-              <a:buNone/>
-              <a:tabLst/>
-            </a:pPr>
-            <a:r>
-              <a:rPr kumimoji="0" lang="en-US" altLang="en-US" sz="1700" b="0" i="0" u="none" strike="noStrike" cap="none" normalizeH="0" baseline="0">
-                <a:ln>
-                  <a:noFill/>
-                </a:ln>
-                <a:effectLst/>
-                <a:latin typeface="Arial" panose="020B0604020202020204" pitchFamily="34" charset="0"/>
-              </a:rPr>
-              <a:t>Cool Factor:</a:t>
-            </a:r>
-          </a:p>
-          <a:p>
-            <a:pPr marL="0" marR="0" lvl="0" indent="0" defTabSz="914400" rtl="0" eaLnBrk="0" fontAlgn="base" latinLnBrk="0" hangingPunct="0">
-              <a:spcBef>
-                <a:spcPct val="0"/>
-              </a:spcBef>
-              <a:spcAft>
-                <a:spcPts val="600"/>
-              </a:spcAft>
-              <a:buClrTx/>
-              <a:buSzTx/>
-              <a:buFontTx/>
-              <a:buChar char="•"/>
-              <a:tabLst/>
-            </a:pPr>
-            <a:r>
-              <a:rPr kumimoji="0" lang="en-US" altLang="en-US" sz="1700" b="0" i="0" u="none" strike="noStrike" cap="none" normalizeH="0" baseline="0">
-                <a:ln>
-                  <a:noFill/>
-                </a:ln>
-                <a:effectLst/>
-                <a:latin typeface="Arial" panose="020B0604020202020204" pitchFamily="34" charset="0"/>
-              </a:rPr>
-              <a:t>Seamlessly integrates multiple AI techniques into one pipeline.</a:t>
-            </a:r>
-          </a:p>
-          <a:p>
-            <a:pPr marL="0" marR="0" lvl="0" indent="0" defTabSz="914400" rtl="0" eaLnBrk="0" fontAlgn="base" latinLnBrk="0" hangingPunct="0">
-              <a:spcBef>
-                <a:spcPct val="0"/>
-              </a:spcBef>
-              <a:spcAft>
-                <a:spcPts val="600"/>
-              </a:spcAft>
-              <a:buClrTx/>
-              <a:buSzTx/>
-              <a:buFontTx/>
-              <a:buNone/>
-              <a:tabLst/>
-            </a:pPr>
-            <a:endParaRPr kumimoji="0" lang="en-US" altLang="en-US" sz="1700" b="0" i="0" u="none" strike="noStrike" cap="none" normalizeH="0" baseline="0">
-              <a:ln>
-                <a:noFill/>
-              </a:ln>
-              <a:effectLst/>
-              <a:latin typeface="Arial" panose="020B0604020202020204" pitchFamily="34" charset="0"/>
-            </a:endParaRPr>
-          </a:p>
-        </p:txBody>
-      </p:sp>
+      </p:pic>
+      <p:pic>
+        <p:nvPicPr>
+          <p:cNvPr id="10" name="Picture 9">
+            <a:extLst>
+              <a:ext uri="{FF2B5EF4-FFF2-40B4-BE49-F238E27FC236}">
+                <a16:creationId xmlns:a16="http://schemas.microsoft.com/office/drawing/2014/main" id="{8E0401FA-969C-5D32-3B20-305ED6442417}"/>
+              </a:ext>
+            </a:extLst>
+          </p:cNvPr>
+          <p:cNvPicPr>
+            <a:picLocks noChangeAspect="1"/>
+          </p:cNvPicPr>
+          <p:nvPr/>
+        </p:nvPicPr>
+        <p:blipFill>
+          <a:blip r:embed="rId3"/>
+          <a:stretch>
+            <a:fillRect/>
+          </a:stretch>
+        </p:blipFill>
+        <p:spPr>
+          <a:xfrm>
+            <a:off x="3420425" y="3525318"/>
+            <a:ext cx="5468218" cy="2249076"/>
+          </a:xfrm>
+          <a:prstGeom prst="rect">
+            <a:avLst/>
+          </a:prstGeom>
+        </p:spPr>
+      </p:pic>
     </p:spTree>
     <p:extLst>
       <p:ext uri="{BB962C8B-B14F-4D97-AF65-F5344CB8AC3E}">
@@ -32980,7 +31824,7 @@
 </p:sld>
 </file>
 
-<file path=ppt/slides/slide17.xml><?xml version="1.0" encoding="utf-8"?>
+<file path=ppt/slides/slide16.xml><?xml version="1.0" encoding="utf-8"?>
 <p:sld xmlns:a="http://schemas.openxmlformats.org/drawingml/2006/main" xmlns:r="http://schemas.openxmlformats.org/officeDocument/2006/relationships" xmlns:p="http://schemas.openxmlformats.org/presentationml/2006/main">
   <p:cSld>
     <p:bg>
@@ -33587,7 +32431,7 @@
 </p:sld>
 </file>
 
-<file path=ppt/slides/slide18.xml><?xml version="1.0" encoding="utf-8"?>
+<file path=ppt/slides/slide17.xml><?xml version="1.0" encoding="utf-8"?>
 <p:sld xmlns:a="http://schemas.openxmlformats.org/drawingml/2006/main" xmlns:r="http://schemas.openxmlformats.org/officeDocument/2006/relationships" xmlns:p="http://schemas.openxmlformats.org/presentationml/2006/main">
   <p:cSld>
     <p:bg>
@@ -36209,6 +35053,36 @@
           </a:p>
         </p:txBody>
       </p:sp>
+      <p:pic>
+        <p:nvPicPr>
+          <p:cNvPr id="5" name="Picture 4">
+            <a:extLst>
+              <a:ext uri="{FF2B5EF4-FFF2-40B4-BE49-F238E27FC236}">
+                <a16:creationId xmlns:a16="http://schemas.microsoft.com/office/drawing/2014/main" id="{87C0C9F1-FA36-1EC6-2A00-4E59041B4D28}"/>
+              </a:ext>
+            </a:extLst>
+          </p:cNvPr>
+          <p:cNvPicPr>
+            <a:picLocks noChangeAspect="1"/>
+          </p:cNvPicPr>
+          <p:nvPr/>
+        </p:nvPicPr>
+        <p:blipFill>
+          <a:blip r:embed="rId2"/>
+          <a:stretch>
+            <a:fillRect/>
+          </a:stretch>
+        </p:blipFill>
+        <p:spPr>
+          <a:xfrm>
+            <a:off x="3968098" y="4991893"/>
+            <a:ext cx="3871295" cy="960203"/>
+          </a:xfrm>
+          <a:prstGeom prst="rect">
+            <a:avLst/>
+          </a:prstGeom>
+        </p:spPr>
+      </p:pic>
     </p:spTree>
     <p:extLst>
       <p:ext uri="{BB962C8B-B14F-4D97-AF65-F5344CB8AC3E}">
@@ -36408,7 +35282,7 @@
         </p:nvSpPr>
         <p:spPr bwMode="auto">
           <a:xfrm>
-            <a:off x="858692" y="2405894"/>
+            <a:off x="868326" y="2476659"/>
             <a:ext cx="3986392" cy="3535083"/>
           </a:xfrm>
           <a:prstGeom prst="rect">
@@ -36469,7 +35343,7 @@
               <a:tabLst/>
             </a:pPr>
             <a:r>
-              <a:rPr kumimoji="0" lang="en-US" altLang="en-US" sz="1700" b="1" i="0" u="none" strike="noStrike" cap="none" normalizeH="0" baseline="0">
+              <a:rPr kumimoji="0" lang="en-US" altLang="en-US" sz="1700" b="1" i="0" u="none" strike="noStrike" cap="none" normalizeH="0" baseline="0" dirty="0">
                 <a:ln>
                   <a:noFill/>
                 </a:ln>
@@ -36477,7 +35351,7 @@
               </a:rPr>
               <a:t>Overview:</a:t>
             </a:r>
-            <a:endParaRPr kumimoji="0" lang="en-US" altLang="en-US" sz="1700" b="0" i="0" u="none" strike="noStrike" cap="none" normalizeH="0" baseline="0">
+            <a:endParaRPr kumimoji="0" lang="en-US" altLang="en-US" sz="1700" b="0" i="0" u="none" strike="noStrike" cap="none" normalizeH="0" baseline="0" dirty="0">
               <a:ln>
                 <a:noFill/>
               </a:ln>
@@ -36502,7 +35376,7 @@
               <a:tabLst/>
             </a:pPr>
             <a:r>
-              <a:rPr kumimoji="0" lang="en-US" altLang="en-US" sz="1700" b="0" i="0" u="none" strike="noStrike" cap="none" normalizeH="0" baseline="0">
+              <a:rPr kumimoji="0" lang="en-US" altLang="en-US" sz="1700" b="0" i="0" u="none" strike="noStrike" cap="none" normalizeH="0" baseline="0" dirty="0">
                 <a:ln>
                   <a:noFill/>
                 </a:ln>
@@ -36529,19 +35403,21 @@
               <a:tabLst/>
             </a:pPr>
             <a:r>
-              <a:rPr kumimoji="0" lang="en-US" altLang="en-US" sz="1700" b="1" i="0" u="none" strike="noStrike" cap="none" normalizeH="0" baseline="0">
-                <a:ln>
-                  <a:noFill/>
-                </a:ln>
+              <a:rPr lang="en-GB" sz="1600" b="0" i="0" dirty="0">
+                <a:solidFill>
+                  <a:srgbClr val="1F1F1F"/>
+                </a:solidFill>
                 <a:effectLst/>
+                <a:latin typeface="+mj-lt"/>
               </a:rPr>
-              <a:t>Evaluation Metrics:</a:t>
+              <a:t>Logistic Regression Accuracy: 97.05%</a:t>
             </a:r>
-            <a:endParaRPr kumimoji="0" lang="en-US" altLang="en-US" sz="1700" b="0" i="0" u="none" strike="noStrike" cap="none" normalizeH="0" baseline="0">
+            <a:endParaRPr kumimoji="0" lang="en-US" altLang="en-US" sz="1700" b="0" i="0" u="none" strike="noStrike" cap="none" normalizeH="0" baseline="0" dirty="0">
               <a:ln>
                 <a:noFill/>
               </a:ln>
               <a:effectLst/>
+              <a:latin typeface="+mj-lt"/>
             </a:endParaRPr>
           </a:p>
         </p:txBody>
@@ -36862,14 +35738,14 @@
             <p:ph idx="1"/>
             <p:extLst>
               <p:ext uri="{D42A27DB-BD31-4B8C-83A1-F6EECF244321}">
-                <p14:modId xmlns:p14="http://schemas.microsoft.com/office/powerpoint/2010/main" val="2410222041"/>
+                <p14:modId xmlns:p14="http://schemas.microsoft.com/office/powerpoint/2010/main" val="3268166926"/>
               </p:ext>
             </p:extLst>
           </p:nvPr>
         </p:nvGraphicFramePr>
         <p:xfrm>
-          <a:off x="5306975" y="1821480"/>
-          <a:ext cx="3127898" cy="3246935"/>
+          <a:off x="5146955" y="1291801"/>
+          <a:ext cx="3654145" cy="4755220"/>
         </p:xfrm>
         <a:graphic>
           <a:graphicData uri="http://schemas.openxmlformats.org/drawingml/2006/table">
@@ -36883,14 +35759,14 @@
                 </a:solidFill>
               </a:tblPr>
               <a:tblGrid>
-                <a:gridCol w="1660414">
+                <a:gridCol w="2020418">
                   <a:extLst>
                     <a:ext uri="{9D8B030D-6E8A-4147-A177-3AD203B41FA5}">
                       <a16:colId xmlns:a16="http://schemas.microsoft.com/office/drawing/2014/main" val="1321963214"/>
                     </a:ext>
                   </a:extLst>
                 </a:gridCol>
-                <a:gridCol w="1467484">
+                <a:gridCol w="1633727">
                   <a:extLst>
                     <a:ext uri="{9D8B030D-6E8A-4147-A177-3AD203B41FA5}">
                       <a16:colId xmlns:a16="http://schemas.microsoft.com/office/drawing/2014/main" val="1371611621"/>
@@ -36898,7 +35774,7 @@
                   </a:extLst>
                 </a:gridCol>
               </a:tblGrid>
-              <a:tr h="649387">
+              <a:tr h="545684">
                 <a:tc>
                   <a:txBody>
                     <a:bodyPr/>
@@ -37005,7 +35881,7 @@
                   </a:ext>
                 </a:extLst>
               </a:tr>
-              <a:tr h="649387">
+              <a:tr h="545684">
                 <a:tc>
                   <a:txBody>
                     <a:bodyPr/>
@@ -37072,7 +35948,7 @@
                             <a:schemeClr val="bg1"/>
                           </a:solidFill>
                         </a:rPr>
-                        <a:t>95.52%</a:t>
+                        <a:t>0.97</a:t>
                       </a:r>
                     </a:p>
                   </a:txBody>
@@ -37122,19 +35998,35 @@
                   </a:ext>
                 </a:extLst>
               </a:tr>
-              <a:tr h="649387">
+              <a:tr h="1091306">
                 <a:tc>
                   <a:txBody>
                     <a:bodyPr/>
                     <a:lstStyle/>
                     <a:p>
                       <a:r>
-                        <a:rPr lang="en-GB" sz="2100" cap="none" spc="0">
+                        <a:rPr lang="en-GB" sz="2000" dirty="0">
                           <a:solidFill>
                             <a:schemeClr val="bg1"/>
                           </a:solidFill>
                         </a:rPr>
-                        <a:t>Precision</a:t>
+                        <a:t>Precision(</a:t>
+                      </a:r>
+                      <a:r>
+                        <a:rPr lang="en-GB" sz="2000" dirty="0" err="1">
+                          <a:solidFill>
+                            <a:schemeClr val="bg1"/>
+                          </a:solidFill>
+                        </a:rPr>
+                        <a:t>negative,neutral,positive</a:t>
+                      </a:r>
+                      <a:r>
+                        <a:rPr lang="en-GB" sz="2000" dirty="0">
+                          <a:solidFill>
+                            <a:schemeClr val="bg1"/>
+                          </a:solidFill>
+                        </a:rPr>
+                        <a:t>)</a:t>
                       </a:r>
                     </a:p>
                   </a:txBody>
@@ -37184,12 +36076,12 @@
                     <a:lstStyle/>
                     <a:p>
                       <a:r>
-                        <a:rPr lang="en-GB" sz="2100" cap="none" spc="0">
+                        <a:rPr lang="en-GB" sz="2100" cap="none" spc="0" dirty="0">
                           <a:solidFill>
                             <a:schemeClr val="bg1"/>
                           </a:solidFill>
                         </a:rPr>
-                        <a:t>95.05%</a:t>
+                        <a:t>(0,0.98,0.92)</a:t>
                       </a:r>
                     </a:p>
                   </a:txBody>
@@ -37239,19 +36131,35 @@
                   </a:ext>
                 </a:extLst>
               </a:tr>
-              <a:tr h="649387">
+              <a:tr h="1091306">
                 <a:tc>
                   <a:txBody>
                     <a:bodyPr/>
                     <a:lstStyle/>
                     <a:p>
                       <a:r>
-                        <a:rPr lang="en-GB" sz="2100" cap="none" spc="0">
+                        <a:rPr lang="en-GB" sz="2000" dirty="0">
                           <a:solidFill>
                             <a:schemeClr val="bg1"/>
                           </a:solidFill>
                         </a:rPr>
-                        <a:t>Recall</a:t>
+                        <a:t>Recall(</a:t>
+                      </a:r>
+                      <a:r>
+                        <a:rPr lang="en-GB" sz="2000" dirty="0" err="1">
+                          <a:solidFill>
+                            <a:schemeClr val="bg1"/>
+                          </a:solidFill>
+                        </a:rPr>
+                        <a:t>negative,neutral,positive</a:t>
+                      </a:r>
+                      <a:r>
+                        <a:rPr lang="en-GB" sz="2000" dirty="0">
+                          <a:solidFill>
+                            <a:schemeClr val="bg1"/>
+                          </a:solidFill>
+                        </a:rPr>
+                        <a:t>)</a:t>
                       </a:r>
                     </a:p>
                   </a:txBody>
@@ -37301,12 +36209,12 @@
                     <a:lstStyle/>
                     <a:p>
                       <a:r>
-                        <a:rPr lang="en-GB" sz="2100" cap="none" spc="0">
+                        <a:rPr lang="en-GB" sz="2100" cap="none" spc="0" dirty="0">
                           <a:solidFill>
                             <a:schemeClr val="bg1"/>
                           </a:solidFill>
                         </a:rPr>
-                        <a:t>95.20%</a:t>
+                        <a:t>(0,0.98,0.95)</a:t>
                       </a:r>
                     </a:p>
                   </a:txBody>
@@ -37356,20 +36264,33 @@
                   </a:ext>
                 </a:extLst>
               </a:tr>
-              <a:tr h="649387">
+              <a:tr h="1091306">
                 <a:tc>
                   <a:txBody>
                     <a:bodyPr/>
                     <a:lstStyle/>
                     <a:p>
                       <a:r>
-                        <a:rPr lang="en-GB" sz="2100" cap="none" spc="0">
+                        <a:rPr lang="en-GB" sz="2000" dirty="0">
                           <a:solidFill>
                             <a:schemeClr val="bg1"/>
                           </a:solidFill>
                         </a:rPr>
-                        <a:t>F1-Score</a:t>
+                        <a:t>F1-Score(</a:t>
                       </a:r>
+                      <a:r>
+                        <a:rPr lang="en-GB" sz="2000" dirty="0" err="1">
+                          <a:solidFill>
+                            <a:schemeClr val="bg1"/>
+                          </a:solidFill>
+                        </a:rPr>
+                        <a:t>Negative,neutral,positive</a:t>
+                      </a:r>
+                      <a:endParaRPr lang="en-GB" sz="2100" cap="none" spc="0" dirty="0">
+                        <a:solidFill>
+                          <a:schemeClr val="bg1"/>
+                        </a:solidFill>
+                      </a:endParaRPr>
                     </a:p>
                   </a:txBody>
                   <a:tcPr marL="178353" marR="209678" marT="137194" marB="137194" anchor="ctr">
@@ -37418,7 +36339,7 @@
                             <a:schemeClr val="bg1"/>
                           </a:solidFill>
                         </a:rPr>
-                        <a:t>94.73%</a:t>
+                        <a:t>(0,0.98,0.94)</a:t>
                       </a:r>
                     </a:p>
                   </a:txBody>
@@ -37469,10 +36390,10 @@
       </p:graphicFrame>
       <p:pic>
         <p:nvPicPr>
-          <p:cNvPr id="3" name="Picture 2">
+          <p:cNvPr id="2050" name="Picture 2">
             <a:extLst>
               <a:ext uri="{FF2B5EF4-FFF2-40B4-BE49-F238E27FC236}">
-                <a16:creationId xmlns:a16="http://schemas.microsoft.com/office/drawing/2014/main" id="{7A3827FE-E9A6-D984-13DB-667CC2E6E6EC}"/>
+                <a16:creationId xmlns:a16="http://schemas.microsoft.com/office/drawing/2014/main" id="{97922E1F-CFCF-D108-BF10-78E2992CD7AB}"/>
               </a:ext>
             </a:extLst>
           </p:cNvPr>
@@ -37496,53 +36417,8 @@
         </p:blipFill>
         <p:spPr bwMode="auto">
           <a:xfrm>
-            <a:off x="579062" y="3352800"/>
-            <a:ext cx="4335151" cy="3411294"/>
-          </a:xfrm>
-          <a:prstGeom prst="rect">
-            <a:avLst/>
-          </a:prstGeom>
-          <a:noFill/>
-          <a:extLst>
-            <a:ext uri="{909E8E84-426E-40DD-AFC4-6F175D3DCCD1}">
-              <a14:hiddenFill xmlns:a14="http://schemas.microsoft.com/office/drawing/2010/main">
-                <a:solidFill>
-                  <a:srgbClr val="FFFFFF"/>
-                </a:solidFill>
-              </a14:hiddenFill>
-            </a:ext>
-          </a:extLst>
-        </p:spPr>
-      </p:pic>
-      <p:pic>
-        <p:nvPicPr>
-          <p:cNvPr id="1030" name="Picture 6">
-            <a:extLst>
-              <a:ext uri="{FF2B5EF4-FFF2-40B4-BE49-F238E27FC236}">
-                <a16:creationId xmlns:a16="http://schemas.microsoft.com/office/drawing/2014/main" id="{18DD18FB-DB5E-C21A-BDC7-388E11676F57}"/>
-              </a:ext>
-            </a:extLst>
-          </p:cNvPr>
-          <p:cNvPicPr>
-            <a:picLocks noChangeAspect="1" noChangeArrowheads="1"/>
-          </p:cNvPicPr>
-          <p:nvPr/>
-        </p:nvPicPr>
-        <p:blipFill rotWithShape="1">
-          <a:blip r:embed="rId3">
-            <a:extLst>
-              <a:ext uri="{28A0092B-C50C-407E-A947-70E740481C1C}">
-                <a14:useLocalDpi xmlns:a14="http://schemas.microsoft.com/office/drawing/2010/main" val="0"/>
-              </a:ext>
-            </a:extLst>
-          </a:blip>
-          <a:srcRect l="7833" t="1788" r="1836" b="8958"/>
-          <a:stretch/>
-        </p:blipFill>
-        <p:spPr bwMode="auto">
-          <a:xfrm>
-            <a:off x="1036320" y="3352800"/>
-            <a:ext cx="3102659" cy="3047567"/>
+            <a:off x="709128" y="3547872"/>
+            <a:ext cx="3974140" cy="3288084"/>
           </a:xfrm>
           <a:prstGeom prst="rect">
             <a:avLst/>
@@ -37726,7 +36602,7 @@
         </p:nvSpPr>
         <p:spPr>
           <a:xfrm>
-            <a:off x="858692" y="2405894"/>
+            <a:off x="858692" y="2266910"/>
             <a:ext cx="3986392" cy="3535083"/>
           </a:xfrm>
         </p:spPr>
@@ -37737,10 +36613,10 @@
           <a:lstStyle/>
           <a:p>
             <a:r>
-              <a:rPr lang="en-GB" sz="1700" b="1"/>
+              <a:rPr lang="en-GB" sz="1700" b="1" dirty="0"/>
               <a:t>Overview:</a:t>
             </a:r>
-            <a:endParaRPr lang="en-GB" sz="1700"/>
+            <a:endParaRPr lang="en-GB" sz="1700" dirty="0"/>
           </a:p>
           <a:p>
             <a:pPr>
@@ -37748,9 +36624,28 @@
               <a:buChar char="•"/>
             </a:pPr>
             <a:r>
-              <a:rPr lang="en-GB" sz="1700"/>
+              <a:rPr lang="en-GB" sz="1700" dirty="0"/>
               <a:t>Multinomial Naive Bayes trained with TF-IDF vectors.</a:t>
             </a:r>
+          </a:p>
+          <a:p>
+            <a:pPr>
+              <a:buFont typeface="Arial" panose="020B0604020202020204" pitchFamily="34" charset="0"/>
+              <a:buChar char="•"/>
+            </a:pPr>
+            <a:r>
+              <a:rPr lang="en-GB" sz="1600" b="0" i="0" dirty="0">
+                <a:solidFill>
+                  <a:srgbClr val="1F1F1F"/>
+                </a:solidFill>
+                <a:effectLst/>
+                <a:latin typeface="+mj-lt"/>
+              </a:rPr>
+              <a:t>Naive Bayes Accuracy: 93.85%</a:t>
+            </a:r>
+            <a:endParaRPr lang="en-GB" sz="1600" dirty="0">
+              <a:latin typeface="+mj-lt"/>
+            </a:endParaRPr>
           </a:p>
         </p:txBody>
       </p:sp>
@@ -38069,28 +36964,28 @@
           <p:nvPr>
             <p:extLst>
               <p:ext uri="{D42A27DB-BD31-4B8C-83A1-F6EECF244321}">
-                <p14:modId xmlns:p14="http://schemas.microsoft.com/office/powerpoint/2010/main" val="205254622"/>
+                <p14:modId xmlns:p14="http://schemas.microsoft.com/office/powerpoint/2010/main" val="2911568269"/>
               </p:ext>
             </p:extLst>
           </p:nvPr>
         </p:nvGraphicFramePr>
         <p:xfrm>
-          <a:off x="5233807" y="2005781"/>
-          <a:ext cx="3051501" cy="3188010"/>
+          <a:off x="5233807" y="1544145"/>
+          <a:ext cx="3567293" cy="4567278"/>
         </p:xfrm>
         <a:graphic>
           <a:graphicData uri="http://schemas.openxmlformats.org/drawingml/2006/table">
             <a:tbl>
               <a:tblPr/>
               <a:tblGrid>
-                <a:gridCol w="1666865">
+                <a:gridCol w="2276428">
                   <a:extLst>
                     <a:ext uri="{9D8B030D-6E8A-4147-A177-3AD203B41FA5}">
                       <a16:colId xmlns:a16="http://schemas.microsoft.com/office/drawing/2014/main" val="1581815364"/>
                     </a:ext>
                   </a:extLst>
                 </a:gridCol>
-                <a:gridCol w="1384636">
+                <a:gridCol w="1290865">
                   <a:extLst>
                     <a:ext uri="{9D8B030D-6E8A-4147-A177-3AD203B41FA5}">
                       <a16:colId xmlns:a16="http://schemas.microsoft.com/office/drawing/2014/main" val="2653800214"/>
@@ -38233,7 +37128,7 @@
                             <a:schemeClr val="bg1"/>
                           </a:solidFill>
                         </a:rPr>
-                        <a:t>92.78%</a:t>
+                        <a:t>0.94</a:t>
                       </a:r>
                     </a:p>
                   </a:txBody>
@@ -38280,7 +37175,23 @@
                             <a:schemeClr val="bg1"/>
                           </a:solidFill>
                         </a:rPr>
-                        <a:t>Precision</a:t>
+                        <a:t>Precision(</a:t>
+                      </a:r>
+                      <a:r>
+                        <a:rPr lang="en-GB" sz="2400" dirty="0" err="1">
+                          <a:solidFill>
+                            <a:schemeClr val="bg1"/>
+                          </a:solidFill>
+                        </a:rPr>
+                        <a:t>negative,neutral,positive</a:t>
+                      </a:r>
+                      <a:r>
+                        <a:rPr lang="en-GB" sz="2400" dirty="0">
+                          <a:solidFill>
+                            <a:schemeClr val="bg1"/>
+                          </a:solidFill>
+                        </a:rPr>
+                        <a:t>)</a:t>
                       </a:r>
                     </a:p>
                   </a:txBody>
@@ -38320,7 +37231,7 @@
                             <a:schemeClr val="bg1"/>
                           </a:solidFill>
                         </a:rPr>
-                        <a:t>87.89%</a:t>
+                        <a:t>(0,1.00,0.74)</a:t>
                       </a:r>
                     </a:p>
                   </a:txBody>
@@ -38367,7 +37278,23 @@
                             <a:schemeClr val="bg1"/>
                           </a:solidFill>
                         </a:rPr>
-                        <a:t>Recall</a:t>
+                        <a:t>Recall(</a:t>
+                      </a:r>
+                      <a:r>
+                        <a:rPr lang="en-GB" sz="2400" dirty="0" err="1">
+                          <a:solidFill>
+                            <a:schemeClr val="bg1"/>
+                          </a:solidFill>
+                        </a:rPr>
+                        <a:t>negative,neutral,positive</a:t>
+                      </a:r>
+                      <a:r>
+                        <a:rPr lang="en-GB" sz="2400" dirty="0">
+                          <a:solidFill>
+                            <a:schemeClr val="bg1"/>
+                          </a:solidFill>
+                        </a:rPr>
+                        <a:t>)</a:t>
                       </a:r>
                     </a:p>
                   </a:txBody>
@@ -38402,12 +37329,12 @@
                     <a:lstStyle/>
                     <a:p>
                       <a:r>
-                        <a:rPr lang="en-GB" sz="2400">
+                        <a:rPr lang="en-GB" sz="2400" dirty="0">
                           <a:solidFill>
                             <a:schemeClr val="bg1"/>
                           </a:solidFill>
                         </a:rPr>
-                        <a:t>87.50%</a:t>
+                        <a:t>(0,0.94,1.00)</a:t>
                       </a:r>
                     </a:p>
                   </a:txBody>
@@ -38454,7 +37381,23 @@
                             <a:schemeClr val="bg1"/>
                           </a:solidFill>
                         </a:rPr>
-                        <a:t>F1-Score</a:t>
+                        <a:t>F1-Score(</a:t>
+                      </a:r>
+                      <a:r>
+                        <a:rPr lang="en-GB" sz="2400" dirty="0" err="1">
+                          <a:solidFill>
+                            <a:schemeClr val="bg1"/>
+                          </a:solidFill>
+                        </a:rPr>
+                        <a:t>negative,neutral,positive</a:t>
+                      </a:r>
+                      <a:r>
+                        <a:rPr lang="en-GB" sz="2400" dirty="0">
+                          <a:solidFill>
+                            <a:schemeClr val="bg1"/>
+                          </a:solidFill>
+                        </a:rPr>
+                        <a:t>)</a:t>
                       </a:r>
                     </a:p>
                   </a:txBody>
@@ -38494,7 +37437,7 @@
                             <a:schemeClr val="bg1"/>
                           </a:solidFill>
                         </a:rPr>
-                        <a:t>82.03%</a:t>
+                        <a:t>0,0.97,0.85</a:t>
                       </a:r>
                     </a:p>
                   </a:txBody>
@@ -38535,10 +37478,10 @@
       </p:graphicFrame>
       <p:pic>
         <p:nvPicPr>
-          <p:cNvPr id="3074" name="Picture 2">
+          <p:cNvPr id="1026" name="Picture 2">
             <a:extLst>
               <a:ext uri="{FF2B5EF4-FFF2-40B4-BE49-F238E27FC236}">
-                <a16:creationId xmlns:a16="http://schemas.microsoft.com/office/drawing/2014/main" id="{92EB3D9E-1BB1-F9BC-6D6A-5B7A535E691F}"/>
+                <a16:creationId xmlns:a16="http://schemas.microsoft.com/office/drawing/2014/main" id="{418F86C6-1D5C-1050-562C-9AED283E369C}"/>
               </a:ext>
             </a:extLst>
           </p:cNvPr>
@@ -38562,53 +37505,8 @@
         </p:blipFill>
         <p:spPr bwMode="auto">
           <a:xfrm>
-            <a:off x="429298" y="3096768"/>
-            <a:ext cx="4610148" cy="3761219"/>
-          </a:xfrm>
-          <a:prstGeom prst="rect">
-            <a:avLst/>
-          </a:prstGeom>
-          <a:noFill/>
-          <a:extLst>
-            <a:ext uri="{909E8E84-426E-40DD-AFC4-6F175D3DCCD1}">
-              <a14:hiddenFill xmlns:a14="http://schemas.microsoft.com/office/drawing/2010/main">
-                <a:solidFill>
-                  <a:srgbClr val="FFFFFF"/>
-                </a:solidFill>
-              </a14:hiddenFill>
-            </a:ext>
-          </a:extLst>
-        </p:spPr>
-      </p:pic>
-      <p:pic>
-        <p:nvPicPr>
-          <p:cNvPr id="2050" name="Picture 2">
-            <a:extLst>
-              <a:ext uri="{FF2B5EF4-FFF2-40B4-BE49-F238E27FC236}">
-                <a16:creationId xmlns:a16="http://schemas.microsoft.com/office/drawing/2014/main" id="{BAAD9428-15FC-1192-4EE7-E531F54F6F07}"/>
-              </a:ext>
-            </a:extLst>
-          </p:cNvPr>
-          <p:cNvPicPr>
-            <a:picLocks noChangeAspect="1" noChangeArrowheads="1"/>
-          </p:cNvPicPr>
-          <p:nvPr/>
-        </p:nvPicPr>
-        <p:blipFill rotWithShape="1">
-          <a:blip r:embed="rId3">
-            <a:extLst>
-              <a:ext uri="{28A0092B-C50C-407E-A947-70E740481C1C}">
-                <a14:useLocalDpi xmlns:a14="http://schemas.microsoft.com/office/drawing/2010/main" val="0"/>
-              </a:ext>
-            </a:extLst>
-          </a:blip>
-          <a:srcRect l="6725" t="4868" r="2474" b="9744"/>
-          <a:stretch/>
-        </p:blipFill>
-        <p:spPr bwMode="auto">
-          <a:xfrm>
-            <a:off x="858692" y="3316224"/>
-            <a:ext cx="3347548" cy="3194303"/>
+            <a:off x="742461" y="3787960"/>
+            <a:ext cx="3748885" cy="2893256"/>
           </a:xfrm>
           <a:prstGeom prst="rect">
             <a:avLst/>

--- a/NLPProject3.pptx
+++ b/NLPProject3.pptx
@@ -6227,7 +6227,7 @@
         <a:p>
           <a:r>
             <a:rPr lang="en-GB" dirty="0"/>
-            <a:t>Techniques involve Sentiment Analysis and both traditional ML models (Logistic Regression, Naive Bayes) and advanced transformer-based models (T5 Model).</a:t>
+            <a:t>Techniques involve Sentiment Analysis and both traditional ML models (Logistic Regression, Naive Bayes) and advanced transformer-based model (T5 Model).</a:t>
           </a:r>
           <a:endParaRPr lang="en-US" dirty="0"/>
         </a:p>
@@ -7075,10 +7075,10 @@
             </a:lnSpc>
           </a:pPr>
           <a:r>
-            <a:rPr lang="en-GB"/>
-            <a:t>Data Cleaning:</a:t>
+            <a:rPr lang="en-GB" dirty="0"/>
+            <a:t>Combine and Data Cleaning:</a:t>
           </a:r>
-          <a:endParaRPr lang="en-US"/>
+          <a:endParaRPr lang="en-US" dirty="0"/>
         </a:p>
       </dgm:t>
     </dgm:pt>
@@ -10730,7 +10730,7 @@
           </a:pPr>
           <a:r>
             <a:rPr lang="en-GB" sz="1100" kern="1200" dirty="0"/>
-            <a:t>Techniques involve Sentiment Analysis and both traditional ML models (Logistic Regression, Naive Bayes) and advanced transformer-based models (T5 Model).</a:t>
+            <a:t>Techniques involve Sentiment Analysis and both traditional ML models (Logistic Regression, Naive Bayes) and advanced transformer-based model (T5 Model).</a:t>
           </a:r>
           <a:endParaRPr lang="en-US" sz="1100" kern="1200" dirty="0"/>
         </a:p>
@@ -11396,10 +11396,10 @@
             <a:buNone/>
           </a:pPr>
           <a:r>
-            <a:rPr lang="en-GB" sz="1900" kern="1200"/>
-            <a:t>Data Cleaning:</a:t>
+            <a:rPr lang="en-GB" sz="1900" kern="1200" dirty="0"/>
+            <a:t>Combine and Data Cleaning:</a:t>
           </a:r>
-          <a:endParaRPr lang="en-US" sz="1900" kern="1200"/>
+          <a:endParaRPr lang="en-US" sz="1900" kern="1200" dirty="0"/>
         </a:p>
       </dsp:txBody>
       <dsp:txXfrm>
@@ -27946,16 +27946,8 @@
               <a:buChar char="•"/>
             </a:pPr>
             <a:r>
-              <a:rPr lang="en-GB" sz="1700" b="1" dirty="0" err="1"/>
-              <a:t>Content:</a:t>
-            </a:r>
-            <a:r>
-              <a:rPr lang="en-GB" sz="1700" dirty="0" err="1"/>
-              <a:t>Results</a:t>
-            </a:r>
-            <a:r>
               <a:rPr lang="en-GB" sz="1700" dirty="0"/>
-              <a:t>:</a:t>
+              <a:t>Results:</a:t>
             </a:r>
           </a:p>
           <a:p>
@@ -28597,16 +28589,8 @@
               <a:buChar char="•"/>
             </a:pPr>
             <a:r>
-              <a:rPr lang="en-GB" sz="1700" b="1" dirty="0" err="1"/>
-              <a:t>Content:</a:t>
-            </a:r>
-            <a:r>
-              <a:rPr lang="en-GB" sz="1700" dirty="0" err="1"/>
-              <a:t>Problem</a:t>
-            </a:r>
-            <a:r>
               <a:rPr lang="en-GB" sz="1700" dirty="0"/>
-              <a:t>:</a:t>
+              <a:t>Problem:</a:t>
             </a:r>
           </a:p>
           <a:p>
@@ -33627,7 +33611,7 @@
             <p:ph idx="1"/>
             <p:extLst>
               <p:ext uri="{D42A27DB-BD31-4B8C-83A1-F6EECF244321}">
-                <p14:modId xmlns:p14="http://schemas.microsoft.com/office/powerpoint/2010/main" val="1115480505"/>
+                <p14:modId xmlns:p14="http://schemas.microsoft.com/office/powerpoint/2010/main" val="67971030"/>
               </p:ext>
             </p:extLst>
           </p:nvPr>
@@ -34222,7 +34206,7 @@
             <p:ph idx="1"/>
             <p:extLst>
               <p:ext uri="{D42A27DB-BD31-4B8C-83A1-F6EECF244321}">
-                <p14:modId xmlns:p14="http://schemas.microsoft.com/office/powerpoint/2010/main" val="67119582"/>
+                <p14:modId xmlns:p14="http://schemas.microsoft.com/office/powerpoint/2010/main" val="2046460833"/>
               </p:ext>
             </p:extLst>
           </p:nvPr>
@@ -34976,16 +34960,8 @@
               <a:buChar char="•"/>
             </a:pPr>
             <a:r>
-              <a:rPr lang="en-GB" sz="1700" b="1" dirty="0" err="1"/>
-              <a:t>Content:</a:t>
-            </a:r>
-            <a:r>
-              <a:rPr lang="en-GB" sz="1700" dirty="0" err="1"/>
-              <a:t>Problem</a:t>
-            </a:r>
-            <a:r>
               <a:rPr lang="en-GB" sz="1700" dirty="0"/>
-              <a:t>:</a:t>
+              <a:t>Problem:</a:t>
             </a:r>
           </a:p>
           <a:p>

--- a/NLPProject3.pptx
+++ b/NLPProject3.pptx
@@ -5625,7 +5625,7 @@
 <dgm:dataModel xmlns:dgm="http://schemas.openxmlformats.org/drawingml/2006/diagram" xmlns:a="http://schemas.openxmlformats.org/drawingml/2006/main">
   <dgm:ptLst>
     <dgm:pt modelId="{DEA51BA7-DB0E-4880-A0C3-46978FD18854}" type="doc">
-      <dgm:prSet loTypeId="urn:microsoft.com/office/officeart/2005/8/layout/process4" loCatId="process" qsTypeId="urn:microsoft.com/office/officeart/2005/8/quickstyle/simple4" qsCatId="simple" csTypeId="urn:microsoft.com/office/officeart/2005/8/colors/colorful2" csCatId="colorful"/>
+      <dgm:prSet loTypeId="urn:microsoft.com/office/officeart/2005/8/layout/process4" loCatId="process" qsTypeId="urn:microsoft.com/office/officeart/2005/8/quickstyle/simple4" qsCatId="simple" csTypeId="urn:microsoft.com/office/officeart/2005/8/colors/colorful2" csCatId="colorful" phldr="1"/>
       <dgm:spPr/>
       <dgm:t>
         <a:bodyPr/>
@@ -5643,14 +5643,10 @@
         <a:lstStyle/>
         <a:p>
           <a:r>
-            <a:rPr lang="en-GB" b="1"/>
-            <a:t>Content:</a:t>
-          </a:r>
-          <a:r>
-            <a:rPr lang="en-GB"/>
+            <a:rPr lang="en-GB" dirty="0"/>
             <a:t>Problem: Companies struggle to derive meaningful insights from massive amounts of customer reviews.</a:t>
           </a:r>
-          <a:endParaRPr lang="en-US"/>
+          <a:endParaRPr lang="en-US" dirty="0"/>
         </a:p>
       </dgm:t>
     </dgm:pt>
@@ -9002,10 +8998,10 @@
         <a:lstStyle/>
         <a:p>
           <a:r>
-            <a:rPr lang="en-GB"/>
-            <a:t>Sentiment analysis with TextBlob.</a:t>
+            <a:rPr lang="en-GB" dirty="0"/>
+            <a:t>Sentiment analysis.</a:t>
           </a:r>
-          <a:endParaRPr lang="en-US"/>
+          <a:endParaRPr lang="en-US" dirty="0"/>
         </a:p>
       </dgm:t>
     </dgm:pt>
@@ -10237,14 +10233,10 @@
             <a:buNone/>
           </a:pPr>
           <a:r>
-            <a:rPr lang="en-GB" sz="2300" b="1" kern="1200"/>
-            <a:t>Content:</a:t>
-          </a:r>
-          <a:r>
-            <a:rPr lang="en-GB" sz="2300" kern="1200"/>
+            <a:rPr lang="en-GB" sz="2300" kern="1200" dirty="0"/>
             <a:t>Problem: Companies struggle to derive meaningful insights from massive amounts of customer reviews.</a:t>
           </a:r>
-          <a:endParaRPr lang="en-US" sz="2300" kern="1200"/>
+          <a:endParaRPr lang="en-US" sz="2300" kern="1200" dirty="0"/>
         </a:p>
       </dsp:txBody>
       <dsp:txXfrm rot="10800000">
@@ -13939,10 +13931,10 @@
             <a:buNone/>
           </a:pPr>
           <a:r>
-            <a:rPr lang="en-GB" sz="2200" kern="1200"/>
-            <a:t>Sentiment analysis with TextBlob.</a:t>
+            <a:rPr lang="en-GB" sz="2200" kern="1200" dirty="0"/>
+            <a:t>Sentiment analysis.</a:t>
           </a:r>
-          <a:endParaRPr lang="en-US" sz="2200" kern="1200"/>
+          <a:endParaRPr lang="en-US" sz="2200" kern="1200" dirty="0"/>
         </a:p>
       </dsp:txBody>
       <dsp:txXfrm>
@@ -23808,7 +23800,7 @@
           <a:p>
             <a:fld id="{243E2416-D5C1-4597-B75B-0A1CEE0967E8}" type="datetimeFigureOut">
               <a:rPr lang="en-GB" smtClean="0"/>
-              <a:t>09/01/2025</a:t>
+              <a:t>10/01/2025</a:t>
             </a:fld>
             <a:endParaRPr lang="en-GB"/>
           </a:p>
@@ -24255,7 +24247,7 @@
           <a:p>
             <a:fld id="{5BCAD085-E8A6-8845-BD4E-CB4CCA059FC4}" type="datetimeFigureOut">
               <a:rPr lang="en-US" smtClean="0"/>
-              <a:t>1/9/2025</a:t>
+              <a:t>1/10/2025</a:t>
             </a:fld>
             <a:endParaRPr lang="en-US"/>
           </a:p>
@@ -24423,7 +24415,7 @@
           <a:p>
             <a:fld id="{5BCAD085-E8A6-8845-BD4E-CB4CCA059FC4}" type="datetimeFigureOut">
               <a:rPr lang="en-US" smtClean="0"/>
-              <a:t>1/9/2025</a:t>
+              <a:t>1/10/2025</a:t>
             </a:fld>
             <a:endParaRPr lang="en-US"/>
           </a:p>
@@ -24601,7 +24593,7 @@
           <a:p>
             <a:fld id="{5BCAD085-E8A6-8845-BD4E-CB4CCA059FC4}" type="datetimeFigureOut">
               <a:rPr lang="en-US" smtClean="0"/>
-              <a:t>1/9/2025</a:t>
+              <a:t>1/10/2025</a:t>
             </a:fld>
             <a:endParaRPr lang="en-US"/>
           </a:p>
@@ -24769,7 +24761,7 @@
           <a:p>
             <a:fld id="{5BCAD085-E8A6-8845-BD4E-CB4CCA059FC4}" type="datetimeFigureOut">
               <a:rPr lang="en-US" smtClean="0"/>
-              <a:t>1/9/2025</a:t>
+              <a:t>1/10/2025</a:t>
             </a:fld>
             <a:endParaRPr lang="en-US"/>
           </a:p>
@@ -25014,7 +25006,7 @@
           <a:p>
             <a:fld id="{5BCAD085-E8A6-8845-BD4E-CB4CCA059FC4}" type="datetimeFigureOut">
               <a:rPr lang="en-US" smtClean="0"/>
-              <a:t>1/9/2025</a:t>
+              <a:t>1/10/2025</a:t>
             </a:fld>
             <a:endParaRPr lang="en-US"/>
           </a:p>
@@ -25299,7 +25291,7 @@
           <a:p>
             <a:fld id="{5BCAD085-E8A6-8845-BD4E-CB4CCA059FC4}" type="datetimeFigureOut">
               <a:rPr lang="en-US" smtClean="0"/>
-              <a:t>1/9/2025</a:t>
+              <a:t>1/10/2025</a:t>
             </a:fld>
             <a:endParaRPr lang="en-US"/>
           </a:p>
@@ -25718,7 +25710,7 @@
           <a:p>
             <a:fld id="{5BCAD085-E8A6-8845-BD4E-CB4CCA059FC4}" type="datetimeFigureOut">
               <a:rPr lang="en-US" smtClean="0"/>
-              <a:t>1/9/2025</a:t>
+              <a:t>1/10/2025</a:t>
             </a:fld>
             <a:endParaRPr lang="en-US"/>
           </a:p>
@@ -25835,7 +25827,7 @@
           <a:p>
             <a:fld id="{5BCAD085-E8A6-8845-BD4E-CB4CCA059FC4}" type="datetimeFigureOut">
               <a:rPr lang="en-US" smtClean="0"/>
-              <a:t>1/9/2025</a:t>
+              <a:t>1/10/2025</a:t>
             </a:fld>
             <a:endParaRPr lang="en-US"/>
           </a:p>
@@ -25930,7 +25922,7 @@
           <a:p>
             <a:fld id="{5BCAD085-E8A6-8845-BD4E-CB4CCA059FC4}" type="datetimeFigureOut">
               <a:rPr lang="en-US" smtClean="0"/>
-              <a:t>1/9/2025</a:t>
+              <a:t>1/10/2025</a:t>
             </a:fld>
             <a:endParaRPr lang="en-US"/>
           </a:p>
@@ -26205,7 +26197,7 @@
           <a:p>
             <a:fld id="{5BCAD085-E8A6-8845-BD4E-CB4CCA059FC4}" type="datetimeFigureOut">
               <a:rPr lang="en-US" smtClean="0"/>
-              <a:t>1/9/2025</a:t>
+              <a:t>1/10/2025</a:t>
             </a:fld>
             <a:endParaRPr lang="en-US"/>
           </a:p>
@@ -26457,7 +26449,7 @@
           <a:p>
             <a:fld id="{5BCAD085-E8A6-8845-BD4E-CB4CCA059FC4}" type="datetimeFigureOut">
               <a:rPr lang="en-US" smtClean="0"/>
-              <a:t>1/9/2025</a:t>
+              <a:t>1/10/2025</a:t>
             </a:fld>
             <a:endParaRPr lang="en-US"/>
           </a:p>
@@ -26668,7 +26660,7 @@
           <a:p>
             <a:fld id="{5BCAD085-E8A6-8845-BD4E-CB4CCA059FC4}" type="datetimeFigureOut">
               <a:rPr lang="en-US" smtClean="0"/>
-              <a:t>1/9/2025</a:t>
+              <a:t>1/10/2025</a:t>
             </a:fld>
             <a:endParaRPr lang="en-US"/>
           </a:p>
@@ -32529,7 +32521,7 @@
             <p:ph idx="1"/>
             <p:extLst>
               <p:ext uri="{D42A27DB-BD31-4B8C-83A1-F6EECF244321}">
-                <p14:modId xmlns:p14="http://schemas.microsoft.com/office/powerpoint/2010/main" val="3506083748"/>
+                <p14:modId xmlns:p14="http://schemas.microsoft.com/office/powerpoint/2010/main" val="2405801438"/>
               </p:ext>
             </p:extLst>
           </p:nvPr>
@@ -33184,7 +33176,7 @@
             <p:ph idx="1"/>
             <p:extLst>
               <p:ext uri="{D42A27DB-BD31-4B8C-83A1-F6EECF244321}">
-                <p14:modId xmlns:p14="http://schemas.microsoft.com/office/powerpoint/2010/main" val="1315504593"/>
+                <p14:modId xmlns:p14="http://schemas.microsoft.com/office/powerpoint/2010/main" val="4252374960"/>
               </p:ext>
             </p:extLst>
           </p:nvPr>
@@ -34911,7 +34903,7 @@
           <a:p>
             <a:pPr algn="r"/>
             <a:r>
-              <a:rPr lang="en-GB" sz="3500" b="1">
+              <a:rPr lang="en-GB" sz="3500" b="1" dirty="0">
                 <a:solidFill>
                   <a:srgbClr val="FFFFFF"/>
                 </a:solidFill>

--- a/NLPProject3.pptx
+++ b/NLPProject3.pptx
@@ -27948,8 +27948,16 @@
               <a:buChar char="•"/>
             </a:pPr>
             <a:r>
-              <a:rPr lang="en-GB" sz="1700" dirty="0"/>
-              <a:t>Visual: Scatter plot of clusters.</a:t>
+              <a:rPr lang="en-GB" sz="1800" dirty="0" err="1">
+                <a:latin typeface="+mj-lt"/>
+              </a:rPr>
+              <a:t>Silhoustte</a:t>
+            </a:r>
+            <a:r>
+              <a:rPr lang="en-GB" sz="1800" dirty="0">
+                <a:latin typeface="+mj-lt"/>
+              </a:rPr>
+              <a:t> Score:0.70 </a:t>
             </a:r>
           </a:p>
           <a:p>
@@ -27958,9 +27966,17 @@
               <a:buChar char="•"/>
             </a:pPr>
             <a:r>
-              <a:rPr lang="en-GB" sz="1700" dirty="0"/>
-              <a:t>Interpretation: Distinct groupings reflect coherent product categories.</a:t>
+              <a:rPr lang="en-GB" sz="1800">
+                <a:latin typeface="+mj-lt"/>
+              </a:rPr>
+              <a:t>Inertia:1917.45</a:t>
             </a:r>
+            <a:endParaRPr lang="en-GB" sz="1800">
+              <a:solidFill>
+                <a:srgbClr val="1F1F1F"/>
+              </a:solidFill>
+              <a:latin typeface="+mj-lt"/>
+            </a:endParaRPr>
           </a:p>
           <a:p>
             <a:pPr>
@@ -27968,8 +27984,12 @@
               <a:buChar char="•"/>
             </a:pPr>
             <a:r>
+              <a:rPr lang="en-GB" sz="1700"/>
+              <a:t>Key </a:t>
+            </a:r>
+            <a:r>
               <a:rPr lang="en-GB" sz="1700" dirty="0"/>
-              <a:t>Key Insight: The model successfully groups products, enabling better decision-making.</a:t>
+              <a:t>Insight: The model successfully groups products, enabling better decision-making.</a:t>
             </a:r>
           </a:p>
           <a:p>
@@ -30111,47 +30131,6 @@
               </a:rPr>
               <a:t>Evaluation:</a:t>
             </a:r>
-          </a:p>
-          <a:p>
-            <a:pPr marL="742950" lvl="1" indent="-285750">
-              <a:buFont typeface="Arial" panose="020B0604020202020204" pitchFamily="34" charset="0"/>
-              <a:buChar char="•"/>
-            </a:pPr>
-            <a:r>
-              <a:rPr lang="en-GB" sz="1200" dirty="0" err="1">
-                <a:latin typeface="+mj-lt"/>
-              </a:rPr>
-              <a:t>Silhoustte</a:t>
-            </a:r>
-            <a:r>
-              <a:rPr lang="en-GB" sz="1200" dirty="0">
-                <a:latin typeface="+mj-lt"/>
-              </a:rPr>
-              <a:t> Score:0.70 </a:t>
-            </a:r>
-          </a:p>
-          <a:p>
-            <a:pPr marL="742950" lvl="1" indent="-285750">
-              <a:buFont typeface="Arial" panose="020B0604020202020204" pitchFamily="34" charset="0"/>
-              <a:buChar char="•"/>
-            </a:pPr>
-            <a:r>
-              <a:rPr lang="en-GB" sz="1200" dirty="0">
-                <a:latin typeface="+mj-lt"/>
-              </a:rPr>
-              <a:t>Inertia:1917.45</a:t>
-            </a:r>
-            <a:endParaRPr lang="en-GB" sz="1200" dirty="0">
-              <a:solidFill>
-                <a:srgbClr val="1F1F1F"/>
-              </a:solidFill>
-              <a:latin typeface="+mj-lt"/>
-            </a:endParaRPr>
-          </a:p>
-          <a:p>
-            <a:pPr marL="457200" lvl="1" indent="0">
-              <a:buNone/>
-            </a:pPr>
             <a:endParaRPr lang="en-GB" sz="1200" dirty="0">
               <a:solidFill>
                 <a:srgbClr val="1F1F1F"/>

--- a/NLPProject3.pptx
+++ b/NLPProject3.pptx
@@ -27701,7 +27701,7 @@
         </p:spPr>
         <p:txBody>
           <a:bodyPr>
-            <a:normAutofit/>
+            <a:normAutofit fontScale="92500"/>
           </a:bodyPr>
           <a:lstStyle/>
           <a:p>
@@ -27711,13 +27711,22 @@
               </a:lnSpc>
             </a:pPr>
             <a:r>
+              <a:rPr lang="en-GB" sz="2000" b="0" dirty="0">
+                <a:solidFill>
+                  <a:srgbClr val="FFFFFF"/>
+                </a:solidFill>
+                <a:effectLst/>
+              </a:rPr>
+              <a:t>The New product review </a:t>
+            </a:r>
+            <a:r>
               <a:rPr lang="en-GB" sz="2000" b="0">
                 <a:solidFill>
                   <a:srgbClr val="FFFFFF"/>
                 </a:solidFill>
                 <a:effectLst/>
               </a:rPr>
-              <a:t>The New product review aggregator</a:t>
+              <a:t>aggregator powered by AI</a:t>
             </a:r>
           </a:p>
           <a:p>
@@ -27726,7 +27735,7 @@
                 <a:spcPct val="90000"/>
               </a:lnSpc>
             </a:pPr>
-            <a:endParaRPr lang="en-GB" sz="2000">
+            <a:endParaRPr lang="en-GB" sz="2000" dirty="0">
               <a:solidFill>
                 <a:srgbClr val="FFFFFF"/>
               </a:solidFill>
@@ -27739,14 +27748,14 @@
               </a:lnSpc>
             </a:pPr>
             <a:r>
-              <a:rPr lang="en-GB" sz="2000">
+              <a:rPr lang="en-GB" sz="2000" dirty="0">
                 <a:solidFill>
                   <a:srgbClr val="FFFFFF"/>
                 </a:solidFill>
               </a:rPr>
               <a:t>By Mehak</a:t>
             </a:r>
-            <a:endParaRPr lang="en-GB" sz="2000" b="0">
+            <a:endParaRPr lang="en-GB" sz="2000" b="0" dirty="0">
               <a:solidFill>
                 <a:srgbClr val="FFFFFF"/>
               </a:solidFill>
